--- a/hw02.pptx
+++ b/hw02.pptx
@@ -4,8 +4,18 @@
   <p:sldMasterIdLst>
     <p:sldMasterId id="2147483648" r:id="rId1"/>
   </p:sldMasterIdLst>
+  <p:notesMasterIdLst>
+    <p:notesMasterId r:id="rId10"/>
+  </p:notesMasterIdLst>
   <p:sldIdLst>
     <p:sldId id="256" r:id="rId2"/>
+    <p:sldId id="257" r:id="rId3"/>
+    <p:sldId id="258" r:id="rId4"/>
+    <p:sldId id="259" r:id="rId5"/>
+    <p:sldId id="260" r:id="rId6"/>
+    <p:sldId id="261" r:id="rId7"/>
+    <p:sldId id="262" r:id="rId8"/>
+    <p:sldId id="263" r:id="rId9"/>
   </p:sldIdLst>
   <p:sldSz cx="12192000" cy="6858000"/>
   <p:notesSz cx="6858000" cy="9144000"/>
@@ -104,7 +114,1149 @@
       </a:defRPr>
     </a:lvl9pPr>
   </p:defaultTextStyle>
+  <p:extLst>
+    <p:ext uri="{EFAFB233-063F-42B5-8137-9DF3F51BA10A}">
+      <p15:sldGuideLst xmlns:p15="http://schemas.microsoft.com/office/powerpoint/2012/main"/>
+    </p:ext>
+  </p:extLst>
 </p:presentation>
+</file>
+
+<file path=ppt/notesMasters/notesMaster1.xml><?xml version="1.0" encoding="utf-8"?>
+<p:notesMaster xmlns:a="http://schemas.openxmlformats.org/drawingml/2006/main" xmlns:r="http://schemas.openxmlformats.org/officeDocument/2006/relationships" xmlns:p="http://schemas.openxmlformats.org/presentationml/2006/main">
+  <p:cSld>
+    <p:bg>
+      <p:bgRef idx="1001">
+        <a:schemeClr val="bg1"/>
+      </p:bgRef>
+    </p:bg>
+    <p:spTree>
+      <p:nvGrpSpPr>
+        <p:cNvPr id="1" name=""/>
+        <p:cNvGrpSpPr/>
+        <p:nvPr/>
+      </p:nvGrpSpPr>
+      <p:grpSpPr>
+        <a:xfrm>
+          <a:off x="0" y="0"/>
+          <a:ext cx="0" cy="0"/>
+          <a:chOff x="0" y="0"/>
+          <a:chExt cx="0" cy="0"/>
+        </a:xfrm>
+      </p:grpSpPr>
+      <p:sp>
+        <p:nvSpPr>
+          <p:cNvPr id="2" name="頁首版面配置區 1"/>
+          <p:cNvSpPr>
+            <a:spLocks noGrp="1"/>
+          </p:cNvSpPr>
+          <p:nvPr>
+            <p:ph type="hdr" sz="quarter"/>
+          </p:nvPr>
+        </p:nvSpPr>
+        <p:spPr>
+          <a:xfrm>
+            <a:off x="0" y="0"/>
+            <a:ext cx="2971800" cy="458788"/>
+          </a:xfrm>
+          <a:prstGeom prst="rect">
+            <a:avLst/>
+          </a:prstGeom>
+        </p:spPr>
+        <p:txBody>
+          <a:bodyPr vert="horz" lIns="91440" tIns="45720" rIns="91440" bIns="45720" rtlCol="0"/>
+          <a:lstStyle>
+            <a:lvl1pPr algn="l">
+              <a:defRPr sz="1200"/>
+            </a:lvl1pPr>
+          </a:lstStyle>
+          <a:p>
+            <a:endParaRPr lang="zh-TW" altLang="en-US"/>
+          </a:p>
+        </p:txBody>
+      </p:sp>
+      <p:sp>
+        <p:nvSpPr>
+          <p:cNvPr id="3" name="日期版面配置區 2"/>
+          <p:cNvSpPr>
+            <a:spLocks noGrp="1"/>
+          </p:cNvSpPr>
+          <p:nvPr>
+            <p:ph type="dt" idx="1"/>
+          </p:nvPr>
+        </p:nvSpPr>
+        <p:spPr>
+          <a:xfrm>
+            <a:off x="3884613" y="0"/>
+            <a:ext cx="2971800" cy="458788"/>
+          </a:xfrm>
+          <a:prstGeom prst="rect">
+            <a:avLst/>
+          </a:prstGeom>
+        </p:spPr>
+        <p:txBody>
+          <a:bodyPr vert="horz" lIns="91440" tIns="45720" rIns="91440" bIns="45720" rtlCol="0"/>
+          <a:lstStyle>
+            <a:lvl1pPr algn="r">
+              <a:defRPr sz="1200"/>
+            </a:lvl1pPr>
+          </a:lstStyle>
+          <a:p>
+            <a:fld id="{46B7200F-E981-4153-AF46-C08045B51DDE}" type="datetimeFigureOut">
+              <a:rPr lang="zh-TW" altLang="en-US" smtClean="0"/>
+              <a:t>2024/10/23</a:t>
+            </a:fld>
+            <a:endParaRPr lang="zh-TW" altLang="en-US"/>
+          </a:p>
+        </p:txBody>
+      </p:sp>
+      <p:sp>
+        <p:nvSpPr>
+          <p:cNvPr id="4" name="投影片影像版面配置區 3"/>
+          <p:cNvSpPr>
+            <a:spLocks noGrp="1" noRot="1" noChangeAspect="1"/>
+          </p:cNvSpPr>
+          <p:nvPr>
+            <p:ph type="sldImg" idx="2"/>
+          </p:nvPr>
+        </p:nvSpPr>
+        <p:spPr>
+          <a:xfrm>
+            <a:off x="685800" y="1143000"/>
+            <a:ext cx="5486400" cy="3086100"/>
+          </a:xfrm>
+          <a:prstGeom prst="rect">
+            <a:avLst/>
+          </a:prstGeom>
+          <a:noFill/>
+          <a:ln w="12700">
+            <a:solidFill>
+              <a:prstClr val="black"/>
+            </a:solidFill>
+          </a:ln>
+        </p:spPr>
+        <p:txBody>
+          <a:bodyPr vert="horz" lIns="91440" tIns="45720" rIns="91440" bIns="45720" rtlCol="0" anchor="ctr"/>
+          <a:lstStyle/>
+          <a:p>
+            <a:endParaRPr lang="zh-TW" altLang="en-US"/>
+          </a:p>
+        </p:txBody>
+      </p:sp>
+      <p:sp>
+        <p:nvSpPr>
+          <p:cNvPr id="5" name="備忘稿版面配置區 4"/>
+          <p:cNvSpPr>
+            <a:spLocks noGrp="1"/>
+          </p:cNvSpPr>
+          <p:nvPr>
+            <p:ph type="body" sz="quarter" idx="3"/>
+          </p:nvPr>
+        </p:nvSpPr>
+        <p:spPr>
+          <a:xfrm>
+            <a:off x="685800" y="4400550"/>
+            <a:ext cx="5486400" cy="3600450"/>
+          </a:xfrm>
+          <a:prstGeom prst="rect">
+            <a:avLst/>
+          </a:prstGeom>
+        </p:spPr>
+        <p:txBody>
+          <a:bodyPr vert="horz" lIns="91440" tIns="45720" rIns="91440" bIns="45720" rtlCol="0"/>
+          <a:lstStyle/>
+          <a:p>
+            <a:pPr lvl="0"/>
+            <a:r>
+              <a:rPr lang="zh-TW" altLang="en-US"/>
+              <a:t>按一下以編輯母片文字樣式</a:t>
+            </a:r>
+          </a:p>
+          <a:p>
+            <a:pPr lvl="1"/>
+            <a:r>
+              <a:rPr lang="zh-TW" altLang="en-US"/>
+              <a:t>第二層</a:t>
+            </a:r>
+          </a:p>
+          <a:p>
+            <a:pPr lvl="2"/>
+            <a:r>
+              <a:rPr lang="zh-TW" altLang="en-US"/>
+              <a:t>第三層</a:t>
+            </a:r>
+          </a:p>
+          <a:p>
+            <a:pPr lvl="3"/>
+            <a:r>
+              <a:rPr lang="zh-TW" altLang="en-US"/>
+              <a:t>第四層</a:t>
+            </a:r>
+          </a:p>
+          <a:p>
+            <a:pPr lvl="4"/>
+            <a:r>
+              <a:rPr lang="zh-TW" altLang="en-US"/>
+              <a:t>第五層</a:t>
+            </a:r>
+          </a:p>
+        </p:txBody>
+      </p:sp>
+      <p:sp>
+        <p:nvSpPr>
+          <p:cNvPr id="6" name="頁尾版面配置區 5"/>
+          <p:cNvSpPr>
+            <a:spLocks noGrp="1"/>
+          </p:cNvSpPr>
+          <p:nvPr>
+            <p:ph type="ftr" sz="quarter" idx="4"/>
+          </p:nvPr>
+        </p:nvSpPr>
+        <p:spPr>
+          <a:xfrm>
+            <a:off x="0" y="8685213"/>
+            <a:ext cx="2971800" cy="458787"/>
+          </a:xfrm>
+          <a:prstGeom prst="rect">
+            <a:avLst/>
+          </a:prstGeom>
+        </p:spPr>
+        <p:txBody>
+          <a:bodyPr vert="horz" lIns="91440" tIns="45720" rIns="91440" bIns="45720" rtlCol="0" anchor="b"/>
+          <a:lstStyle>
+            <a:lvl1pPr algn="l">
+              <a:defRPr sz="1200"/>
+            </a:lvl1pPr>
+          </a:lstStyle>
+          <a:p>
+            <a:endParaRPr lang="zh-TW" altLang="en-US"/>
+          </a:p>
+        </p:txBody>
+      </p:sp>
+      <p:sp>
+        <p:nvSpPr>
+          <p:cNvPr id="7" name="投影片編號版面配置區 6"/>
+          <p:cNvSpPr>
+            <a:spLocks noGrp="1"/>
+          </p:cNvSpPr>
+          <p:nvPr>
+            <p:ph type="sldNum" sz="quarter" idx="5"/>
+          </p:nvPr>
+        </p:nvSpPr>
+        <p:spPr>
+          <a:xfrm>
+            <a:off x="3884613" y="8685213"/>
+            <a:ext cx="2971800" cy="458787"/>
+          </a:xfrm>
+          <a:prstGeom prst="rect">
+            <a:avLst/>
+          </a:prstGeom>
+        </p:spPr>
+        <p:txBody>
+          <a:bodyPr vert="horz" lIns="91440" tIns="45720" rIns="91440" bIns="45720" rtlCol="0" anchor="b"/>
+          <a:lstStyle>
+            <a:lvl1pPr algn="r">
+              <a:defRPr sz="1200"/>
+            </a:lvl1pPr>
+          </a:lstStyle>
+          <a:p>
+            <a:fld id="{8345D91E-5F38-486B-AF8C-39BF739685E9}" type="slidenum">
+              <a:rPr lang="zh-TW" altLang="en-US" smtClean="0"/>
+              <a:t>‹#›</a:t>
+            </a:fld>
+            <a:endParaRPr lang="zh-TW" altLang="en-US"/>
+          </a:p>
+        </p:txBody>
+      </p:sp>
+    </p:spTree>
+    <p:extLst>
+      <p:ext uri="{BB962C8B-B14F-4D97-AF65-F5344CB8AC3E}">
+        <p14:creationId xmlns:p14="http://schemas.microsoft.com/office/powerpoint/2010/main" val="877051940"/>
+      </p:ext>
+    </p:extLst>
+  </p:cSld>
+  <p:clrMap bg1="lt1" tx1="dk1" bg2="lt2" tx2="dk2" accent1="accent1" accent2="accent2" accent3="accent3" accent4="accent4" accent5="accent5" accent6="accent6" hlink="hlink" folHlink="folHlink"/>
+  <p:notesStyle>
+    <a:lvl1pPr marL="0" algn="l" defTabSz="914400" rtl="0" eaLnBrk="1" latinLnBrk="0" hangingPunct="1">
+      <a:defRPr sz="1200" kern="1200">
+        <a:solidFill>
+          <a:schemeClr val="tx1"/>
+        </a:solidFill>
+        <a:latin typeface="+mn-lt"/>
+        <a:ea typeface="+mn-ea"/>
+        <a:cs typeface="+mn-cs"/>
+      </a:defRPr>
+    </a:lvl1pPr>
+    <a:lvl2pPr marL="457200" algn="l" defTabSz="914400" rtl="0" eaLnBrk="1" latinLnBrk="0" hangingPunct="1">
+      <a:defRPr sz="1200" kern="1200">
+        <a:solidFill>
+          <a:schemeClr val="tx1"/>
+        </a:solidFill>
+        <a:latin typeface="+mn-lt"/>
+        <a:ea typeface="+mn-ea"/>
+        <a:cs typeface="+mn-cs"/>
+      </a:defRPr>
+    </a:lvl2pPr>
+    <a:lvl3pPr marL="914400" algn="l" defTabSz="914400" rtl="0" eaLnBrk="1" latinLnBrk="0" hangingPunct="1">
+      <a:defRPr sz="1200" kern="1200">
+        <a:solidFill>
+          <a:schemeClr val="tx1"/>
+        </a:solidFill>
+        <a:latin typeface="+mn-lt"/>
+        <a:ea typeface="+mn-ea"/>
+        <a:cs typeface="+mn-cs"/>
+      </a:defRPr>
+    </a:lvl3pPr>
+    <a:lvl4pPr marL="1371600" algn="l" defTabSz="914400" rtl="0" eaLnBrk="1" latinLnBrk="0" hangingPunct="1">
+      <a:defRPr sz="1200" kern="1200">
+        <a:solidFill>
+          <a:schemeClr val="tx1"/>
+        </a:solidFill>
+        <a:latin typeface="+mn-lt"/>
+        <a:ea typeface="+mn-ea"/>
+        <a:cs typeface="+mn-cs"/>
+      </a:defRPr>
+    </a:lvl4pPr>
+    <a:lvl5pPr marL="1828800" algn="l" defTabSz="914400" rtl="0" eaLnBrk="1" latinLnBrk="0" hangingPunct="1">
+      <a:defRPr sz="1200" kern="1200">
+        <a:solidFill>
+          <a:schemeClr val="tx1"/>
+        </a:solidFill>
+        <a:latin typeface="+mn-lt"/>
+        <a:ea typeface="+mn-ea"/>
+        <a:cs typeface="+mn-cs"/>
+      </a:defRPr>
+    </a:lvl5pPr>
+    <a:lvl6pPr marL="2286000" algn="l" defTabSz="914400" rtl="0" eaLnBrk="1" latinLnBrk="0" hangingPunct="1">
+      <a:defRPr sz="1200" kern="1200">
+        <a:solidFill>
+          <a:schemeClr val="tx1"/>
+        </a:solidFill>
+        <a:latin typeface="+mn-lt"/>
+        <a:ea typeface="+mn-ea"/>
+        <a:cs typeface="+mn-cs"/>
+      </a:defRPr>
+    </a:lvl6pPr>
+    <a:lvl7pPr marL="2743200" algn="l" defTabSz="914400" rtl="0" eaLnBrk="1" latinLnBrk="0" hangingPunct="1">
+      <a:defRPr sz="1200" kern="1200">
+        <a:solidFill>
+          <a:schemeClr val="tx1"/>
+        </a:solidFill>
+        <a:latin typeface="+mn-lt"/>
+        <a:ea typeface="+mn-ea"/>
+        <a:cs typeface="+mn-cs"/>
+      </a:defRPr>
+    </a:lvl7pPr>
+    <a:lvl8pPr marL="3200400" algn="l" defTabSz="914400" rtl="0" eaLnBrk="1" latinLnBrk="0" hangingPunct="1">
+      <a:defRPr sz="1200" kern="1200">
+        <a:solidFill>
+          <a:schemeClr val="tx1"/>
+        </a:solidFill>
+        <a:latin typeface="+mn-lt"/>
+        <a:ea typeface="+mn-ea"/>
+        <a:cs typeface="+mn-cs"/>
+      </a:defRPr>
+    </a:lvl8pPr>
+    <a:lvl9pPr marL="3657600" algn="l" defTabSz="914400" rtl="0" eaLnBrk="1" latinLnBrk="0" hangingPunct="1">
+      <a:defRPr sz="1200" kern="1200">
+        <a:solidFill>
+          <a:schemeClr val="tx1"/>
+        </a:solidFill>
+        <a:latin typeface="+mn-lt"/>
+        <a:ea typeface="+mn-ea"/>
+        <a:cs typeface="+mn-cs"/>
+      </a:defRPr>
+    </a:lvl9pPr>
+  </p:notesStyle>
+</p:notesMaster>
+</file>
+
+<file path=ppt/notesSlides/notesSlide1.xml><?xml version="1.0" encoding="utf-8"?>
+<p:notes xmlns:a="http://schemas.openxmlformats.org/drawingml/2006/main" xmlns:r="http://schemas.openxmlformats.org/officeDocument/2006/relationships" xmlns:p="http://schemas.openxmlformats.org/presentationml/2006/main">
+  <p:cSld>
+    <p:spTree>
+      <p:nvGrpSpPr>
+        <p:cNvPr id="1" name=""/>
+        <p:cNvGrpSpPr/>
+        <p:nvPr/>
+      </p:nvGrpSpPr>
+      <p:grpSpPr>
+        <a:xfrm>
+          <a:off x="0" y="0"/>
+          <a:ext cx="0" cy="0"/>
+          <a:chOff x="0" y="0"/>
+          <a:chExt cx="0" cy="0"/>
+        </a:xfrm>
+      </p:grpSpPr>
+      <p:sp>
+        <p:nvSpPr>
+          <p:cNvPr id="2" name="投影片影像版面配置區 1"/>
+          <p:cNvSpPr>
+            <a:spLocks noGrp="1" noRot="1" noChangeAspect="1"/>
+          </p:cNvSpPr>
+          <p:nvPr>
+            <p:ph type="sldImg"/>
+          </p:nvPr>
+        </p:nvSpPr>
+        <p:spPr/>
+      </p:sp>
+      <p:sp>
+        <p:nvSpPr>
+          <p:cNvPr id="3" name="備忘稿版面配置區 2"/>
+          <p:cNvSpPr>
+            <a:spLocks noGrp="1"/>
+          </p:cNvSpPr>
+          <p:nvPr>
+            <p:ph type="body" idx="1"/>
+          </p:nvPr>
+        </p:nvSpPr>
+        <p:spPr/>
+        <p:txBody>
+          <a:bodyPr/>
+          <a:lstStyle/>
+          <a:p>
+            <a:r>
+              <a:rPr lang="zh-TW" altLang="en-US" b="0" i="0" dirty="0">
+                <a:solidFill>
+                  <a:srgbClr val="111111"/>
+                </a:solidFill>
+                <a:effectLst/>
+                <a:latin typeface="-apple-system"/>
+              </a:rPr>
+              <a:t>棕色短髮 然後上衣穿白色襯衫 手拿一個外套 褲子灰色牛仔褲 衣服要紮進去 日本動畫風格 人物大概</a:t>
+            </a:r>
+            <a:r>
+              <a:rPr lang="en-US" altLang="zh-TW" b="0" i="0" dirty="0">
+                <a:solidFill>
+                  <a:srgbClr val="111111"/>
+                </a:solidFill>
+                <a:effectLst/>
+                <a:latin typeface="-apple-system"/>
+              </a:rPr>
+              <a:t>20</a:t>
+            </a:r>
+            <a:r>
+              <a:rPr lang="zh-TW" altLang="en-US" b="0" i="0" dirty="0">
+                <a:solidFill>
+                  <a:srgbClr val="111111"/>
+                </a:solidFill>
+                <a:effectLst/>
+                <a:latin typeface="-apple-system"/>
+              </a:rPr>
+              <a:t>歲左右 廚師</a:t>
+            </a:r>
+            <a:endParaRPr lang="zh-TW" altLang="en-US" dirty="0"/>
+          </a:p>
+        </p:txBody>
+      </p:sp>
+      <p:sp>
+        <p:nvSpPr>
+          <p:cNvPr id="4" name="投影片編號版面配置區 3"/>
+          <p:cNvSpPr>
+            <a:spLocks noGrp="1"/>
+          </p:cNvSpPr>
+          <p:nvPr>
+            <p:ph type="sldNum" sz="quarter" idx="5"/>
+          </p:nvPr>
+        </p:nvSpPr>
+        <p:spPr/>
+        <p:txBody>
+          <a:bodyPr/>
+          <a:lstStyle/>
+          <a:p>
+            <a:fld id="{8345D91E-5F38-486B-AF8C-39BF739685E9}" type="slidenum">
+              <a:rPr lang="zh-TW" altLang="en-US" smtClean="0"/>
+              <a:t>2</a:t>
+            </a:fld>
+            <a:endParaRPr lang="zh-TW" altLang="en-US"/>
+          </a:p>
+        </p:txBody>
+      </p:sp>
+    </p:spTree>
+    <p:extLst>
+      <p:ext uri="{BB962C8B-B14F-4D97-AF65-F5344CB8AC3E}">
+        <p14:creationId xmlns:p14="http://schemas.microsoft.com/office/powerpoint/2010/main" val="2029674123"/>
+      </p:ext>
+    </p:extLst>
+  </p:cSld>
+  <p:clrMapOvr>
+    <a:masterClrMapping/>
+  </p:clrMapOvr>
+</p:notes>
+</file>
+
+<file path=ppt/notesSlides/notesSlide2.xml><?xml version="1.0" encoding="utf-8"?>
+<p:notes xmlns:a="http://schemas.openxmlformats.org/drawingml/2006/main" xmlns:r="http://schemas.openxmlformats.org/officeDocument/2006/relationships" xmlns:p="http://schemas.openxmlformats.org/presentationml/2006/main">
+  <p:cSld>
+    <p:spTree>
+      <p:nvGrpSpPr>
+        <p:cNvPr id="1" name=""/>
+        <p:cNvGrpSpPr/>
+        <p:nvPr/>
+      </p:nvGrpSpPr>
+      <p:grpSpPr>
+        <a:xfrm>
+          <a:off x="0" y="0"/>
+          <a:ext cx="0" cy="0"/>
+          <a:chOff x="0" y="0"/>
+          <a:chExt cx="0" cy="0"/>
+        </a:xfrm>
+      </p:grpSpPr>
+      <p:sp>
+        <p:nvSpPr>
+          <p:cNvPr id="2" name="投影片影像版面配置區 1"/>
+          <p:cNvSpPr>
+            <a:spLocks noGrp="1" noRot="1" noChangeAspect="1"/>
+          </p:cNvSpPr>
+          <p:nvPr>
+            <p:ph type="sldImg"/>
+          </p:nvPr>
+        </p:nvSpPr>
+        <p:spPr/>
+      </p:sp>
+      <p:sp>
+        <p:nvSpPr>
+          <p:cNvPr id="3" name="備忘稿版面配置區 2"/>
+          <p:cNvSpPr>
+            <a:spLocks noGrp="1"/>
+          </p:cNvSpPr>
+          <p:nvPr>
+            <p:ph type="body" idx="1"/>
+          </p:nvPr>
+        </p:nvSpPr>
+        <p:spPr/>
+        <p:txBody>
+          <a:bodyPr/>
+          <a:lstStyle/>
+          <a:p>
+            <a:r>
+              <a:rPr lang="zh-TW" altLang="en-US" b="0" i="0" dirty="0">
+                <a:solidFill>
+                  <a:srgbClr val="111111"/>
+                </a:solidFill>
+                <a:effectLst/>
+                <a:latin typeface="-apple-system"/>
+              </a:rPr>
+              <a:t>短髮 然後上衣穿白色襯衫 手拿一個外套 褲子灰色牛仔褲 衣服要紮進去 日本動畫風格 人物大概</a:t>
+            </a:r>
+            <a:r>
+              <a:rPr lang="en-US" altLang="zh-TW" b="0" i="0" dirty="0">
+                <a:solidFill>
+                  <a:srgbClr val="111111"/>
+                </a:solidFill>
+                <a:effectLst/>
+                <a:latin typeface="-apple-system"/>
+              </a:rPr>
+              <a:t>20</a:t>
+            </a:r>
+            <a:r>
+              <a:rPr lang="zh-TW" altLang="en-US" b="0" i="0" dirty="0">
+                <a:solidFill>
+                  <a:srgbClr val="111111"/>
+                </a:solidFill>
+                <a:effectLst/>
+                <a:latin typeface="-apple-system"/>
+              </a:rPr>
+              <a:t>歲左右 正在切紅蘿蔔</a:t>
+            </a:r>
+            <a:endParaRPr lang="en-US" altLang="zh-TW" b="0" i="0" dirty="0">
+              <a:solidFill>
+                <a:srgbClr val="111111"/>
+              </a:solidFill>
+              <a:effectLst/>
+              <a:latin typeface="-apple-system"/>
+            </a:endParaRPr>
+          </a:p>
+        </p:txBody>
+      </p:sp>
+      <p:sp>
+        <p:nvSpPr>
+          <p:cNvPr id="4" name="投影片編號版面配置區 3"/>
+          <p:cNvSpPr>
+            <a:spLocks noGrp="1"/>
+          </p:cNvSpPr>
+          <p:nvPr>
+            <p:ph type="sldNum" sz="quarter" idx="5"/>
+          </p:nvPr>
+        </p:nvSpPr>
+        <p:spPr/>
+        <p:txBody>
+          <a:bodyPr/>
+          <a:lstStyle/>
+          <a:p>
+            <a:fld id="{8345D91E-5F38-486B-AF8C-39BF739685E9}" type="slidenum">
+              <a:rPr lang="zh-TW" altLang="en-US" smtClean="0"/>
+              <a:t>3</a:t>
+            </a:fld>
+            <a:endParaRPr lang="zh-TW" altLang="en-US"/>
+          </a:p>
+        </p:txBody>
+      </p:sp>
+    </p:spTree>
+    <p:extLst>
+      <p:ext uri="{BB962C8B-B14F-4D97-AF65-F5344CB8AC3E}">
+        <p14:creationId xmlns:p14="http://schemas.microsoft.com/office/powerpoint/2010/main" val="3582576494"/>
+      </p:ext>
+    </p:extLst>
+  </p:cSld>
+  <p:clrMapOvr>
+    <a:masterClrMapping/>
+  </p:clrMapOvr>
+</p:notes>
+</file>
+
+<file path=ppt/notesSlides/notesSlide3.xml><?xml version="1.0" encoding="utf-8"?>
+<p:notes xmlns:a="http://schemas.openxmlformats.org/drawingml/2006/main" xmlns:r="http://schemas.openxmlformats.org/officeDocument/2006/relationships" xmlns:p="http://schemas.openxmlformats.org/presentationml/2006/main">
+  <p:cSld>
+    <p:spTree>
+      <p:nvGrpSpPr>
+        <p:cNvPr id="1" name=""/>
+        <p:cNvGrpSpPr/>
+        <p:nvPr/>
+      </p:nvGrpSpPr>
+      <p:grpSpPr>
+        <a:xfrm>
+          <a:off x="0" y="0"/>
+          <a:ext cx="0" cy="0"/>
+          <a:chOff x="0" y="0"/>
+          <a:chExt cx="0" cy="0"/>
+        </a:xfrm>
+      </p:grpSpPr>
+      <p:sp>
+        <p:nvSpPr>
+          <p:cNvPr id="2" name="投影片影像版面配置區 1"/>
+          <p:cNvSpPr>
+            <a:spLocks noGrp="1" noRot="1" noChangeAspect="1"/>
+          </p:cNvSpPr>
+          <p:nvPr>
+            <p:ph type="sldImg"/>
+          </p:nvPr>
+        </p:nvSpPr>
+        <p:spPr/>
+      </p:sp>
+      <p:sp>
+        <p:nvSpPr>
+          <p:cNvPr id="3" name="備忘稿版面配置區 2"/>
+          <p:cNvSpPr>
+            <a:spLocks noGrp="1"/>
+          </p:cNvSpPr>
+          <p:nvPr>
+            <p:ph type="body" idx="1"/>
+          </p:nvPr>
+        </p:nvSpPr>
+        <p:spPr/>
+        <p:txBody>
+          <a:bodyPr/>
+          <a:lstStyle/>
+          <a:p>
+            <a:r>
+              <a:rPr lang="zh-TW" altLang="en-US" dirty="0"/>
+              <a:t>短髮 然後上衣穿白色襯衫 手拿一個外套 褲子灰色牛仔褲 衣服要紮進去 日本動畫風格 人物大概</a:t>
+            </a:r>
+            <a:r>
+              <a:rPr lang="en-US" altLang="zh-TW" dirty="0"/>
+              <a:t>20</a:t>
+            </a:r>
+            <a:r>
+              <a:rPr lang="zh-TW" altLang="en-US" dirty="0"/>
+              <a:t>歲左右 正在看書</a:t>
+            </a:r>
+          </a:p>
+          <a:p>
+            <a:endParaRPr lang="zh-TW" altLang="en-US" dirty="0"/>
+          </a:p>
+        </p:txBody>
+      </p:sp>
+      <p:sp>
+        <p:nvSpPr>
+          <p:cNvPr id="4" name="投影片編號版面配置區 3"/>
+          <p:cNvSpPr>
+            <a:spLocks noGrp="1"/>
+          </p:cNvSpPr>
+          <p:nvPr>
+            <p:ph type="sldNum" sz="quarter" idx="5"/>
+          </p:nvPr>
+        </p:nvSpPr>
+        <p:spPr/>
+        <p:txBody>
+          <a:bodyPr/>
+          <a:lstStyle/>
+          <a:p>
+            <a:fld id="{8345D91E-5F38-486B-AF8C-39BF739685E9}" type="slidenum">
+              <a:rPr lang="zh-TW" altLang="en-US" smtClean="0"/>
+              <a:t>4</a:t>
+            </a:fld>
+            <a:endParaRPr lang="zh-TW" altLang="en-US"/>
+          </a:p>
+        </p:txBody>
+      </p:sp>
+    </p:spTree>
+    <p:extLst>
+      <p:ext uri="{BB962C8B-B14F-4D97-AF65-F5344CB8AC3E}">
+        <p14:creationId xmlns:p14="http://schemas.microsoft.com/office/powerpoint/2010/main" val="3849340691"/>
+      </p:ext>
+    </p:extLst>
+  </p:cSld>
+  <p:clrMapOvr>
+    <a:masterClrMapping/>
+  </p:clrMapOvr>
+</p:notes>
+</file>
+
+<file path=ppt/notesSlides/notesSlide4.xml><?xml version="1.0" encoding="utf-8"?>
+<p:notes xmlns:a="http://schemas.openxmlformats.org/drawingml/2006/main" xmlns:r="http://schemas.openxmlformats.org/officeDocument/2006/relationships" xmlns:p="http://schemas.openxmlformats.org/presentationml/2006/main">
+  <p:cSld>
+    <p:spTree>
+      <p:nvGrpSpPr>
+        <p:cNvPr id="1" name=""/>
+        <p:cNvGrpSpPr/>
+        <p:nvPr/>
+      </p:nvGrpSpPr>
+      <p:grpSpPr>
+        <a:xfrm>
+          <a:off x="0" y="0"/>
+          <a:ext cx="0" cy="0"/>
+          <a:chOff x="0" y="0"/>
+          <a:chExt cx="0" cy="0"/>
+        </a:xfrm>
+      </p:grpSpPr>
+      <p:sp>
+        <p:nvSpPr>
+          <p:cNvPr id="2" name="投影片影像版面配置區 1"/>
+          <p:cNvSpPr>
+            <a:spLocks noGrp="1" noRot="1" noChangeAspect="1"/>
+          </p:cNvSpPr>
+          <p:nvPr>
+            <p:ph type="sldImg"/>
+          </p:nvPr>
+        </p:nvSpPr>
+        <p:spPr/>
+      </p:sp>
+      <p:sp>
+        <p:nvSpPr>
+          <p:cNvPr id="3" name="備忘稿版面配置區 2"/>
+          <p:cNvSpPr>
+            <a:spLocks noGrp="1"/>
+          </p:cNvSpPr>
+          <p:nvPr>
+            <p:ph type="body" idx="1"/>
+          </p:nvPr>
+        </p:nvSpPr>
+        <p:spPr/>
+        <p:txBody>
+          <a:bodyPr/>
+          <a:lstStyle/>
+          <a:p>
+            <a:r>
+              <a:rPr lang="zh-TW" altLang="en-US" b="0" i="0" dirty="0">
+                <a:solidFill>
+                  <a:srgbClr val="111111"/>
+                </a:solidFill>
+                <a:effectLst/>
+                <a:latin typeface="-apple-system"/>
+              </a:rPr>
+              <a:t>短髮 然後上衣穿白色襯衫 手拿一個外套 褲子灰色牛仔褲 衣服要紮進去 日本動畫風格 人物大概</a:t>
+            </a:r>
+            <a:r>
+              <a:rPr lang="en-US" altLang="zh-TW" b="0" i="0" dirty="0">
+                <a:solidFill>
+                  <a:srgbClr val="111111"/>
+                </a:solidFill>
+                <a:effectLst/>
+                <a:latin typeface="-apple-system"/>
+              </a:rPr>
+              <a:t>20</a:t>
+            </a:r>
+            <a:r>
+              <a:rPr lang="zh-TW" altLang="en-US" b="0" i="0" dirty="0">
+                <a:solidFill>
+                  <a:srgbClr val="111111"/>
+                </a:solidFill>
+                <a:effectLst/>
+                <a:latin typeface="-apple-system"/>
+              </a:rPr>
+              <a:t>歲左右 圖中一個人就好 正在做料理</a:t>
+            </a:r>
+            <a:endParaRPr lang="zh-TW" altLang="en-US" dirty="0"/>
+          </a:p>
+        </p:txBody>
+      </p:sp>
+      <p:sp>
+        <p:nvSpPr>
+          <p:cNvPr id="4" name="投影片編號版面配置區 3"/>
+          <p:cNvSpPr>
+            <a:spLocks noGrp="1"/>
+          </p:cNvSpPr>
+          <p:nvPr>
+            <p:ph type="sldNum" sz="quarter" idx="5"/>
+          </p:nvPr>
+        </p:nvSpPr>
+        <p:spPr/>
+        <p:txBody>
+          <a:bodyPr/>
+          <a:lstStyle/>
+          <a:p>
+            <a:fld id="{8345D91E-5F38-486B-AF8C-39BF739685E9}" type="slidenum">
+              <a:rPr lang="zh-TW" altLang="en-US" smtClean="0"/>
+              <a:t>5</a:t>
+            </a:fld>
+            <a:endParaRPr lang="zh-TW" altLang="en-US"/>
+          </a:p>
+        </p:txBody>
+      </p:sp>
+    </p:spTree>
+    <p:extLst>
+      <p:ext uri="{BB962C8B-B14F-4D97-AF65-F5344CB8AC3E}">
+        <p14:creationId xmlns:p14="http://schemas.microsoft.com/office/powerpoint/2010/main" val="4226359189"/>
+      </p:ext>
+    </p:extLst>
+  </p:cSld>
+  <p:clrMapOvr>
+    <a:masterClrMapping/>
+  </p:clrMapOvr>
+</p:notes>
+</file>
+
+<file path=ppt/notesSlides/notesSlide5.xml><?xml version="1.0" encoding="utf-8"?>
+<p:notes xmlns:a="http://schemas.openxmlformats.org/drawingml/2006/main" xmlns:r="http://schemas.openxmlformats.org/officeDocument/2006/relationships" xmlns:p="http://schemas.openxmlformats.org/presentationml/2006/main">
+  <p:cSld>
+    <p:spTree>
+      <p:nvGrpSpPr>
+        <p:cNvPr id="1" name=""/>
+        <p:cNvGrpSpPr/>
+        <p:nvPr/>
+      </p:nvGrpSpPr>
+      <p:grpSpPr>
+        <a:xfrm>
+          <a:off x="0" y="0"/>
+          <a:ext cx="0" cy="0"/>
+          <a:chOff x="0" y="0"/>
+          <a:chExt cx="0" cy="0"/>
+        </a:xfrm>
+      </p:grpSpPr>
+      <p:sp>
+        <p:nvSpPr>
+          <p:cNvPr id="2" name="投影片影像版面配置區 1"/>
+          <p:cNvSpPr>
+            <a:spLocks noGrp="1" noRot="1" noChangeAspect="1"/>
+          </p:cNvSpPr>
+          <p:nvPr>
+            <p:ph type="sldImg"/>
+          </p:nvPr>
+        </p:nvSpPr>
+        <p:spPr/>
+      </p:sp>
+      <p:sp>
+        <p:nvSpPr>
+          <p:cNvPr id="3" name="備忘稿版面配置區 2"/>
+          <p:cNvSpPr>
+            <a:spLocks noGrp="1"/>
+          </p:cNvSpPr>
+          <p:nvPr>
+            <p:ph type="body" idx="1"/>
+          </p:nvPr>
+        </p:nvSpPr>
+        <p:spPr/>
+        <p:txBody>
+          <a:bodyPr/>
+          <a:lstStyle/>
+          <a:p>
+            <a:r>
+              <a:rPr lang="zh-TW" altLang="en-US" b="0" i="0" dirty="0">
+                <a:solidFill>
+                  <a:srgbClr val="111111"/>
+                </a:solidFill>
+                <a:effectLst/>
+                <a:latin typeface="-apple-system"/>
+              </a:rPr>
+              <a:t>短髮 然後上衣穿白色襯衫 手拿一個外套 褲子灰色牛仔褲 衣服要紮進去 日本動畫風格 人物大概</a:t>
+            </a:r>
+            <a:r>
+              <a:rPr lang="en-US" altLang="zh-TW" b="0" i="0" dirty="0">
+                <a:solidFill>
+                  <a:srgbClr val="111111"/>
+                </a:solidFill>
+                <a:effectLst/>
+                <a:latin typeface="-apple-system"/>
+              </a:rPr>
+              <a:t>20</a:t>
+            </a:r>
+            <a:r>
+              <a:rPr lang="zh-TW" altLang="en-US" b="0" i="0" dirty="0">
+                <a:solidFill>
+                  <a:srgbClr val="111111"/>
+                </a:solidFill>
+                <a:effectLst/>
+                <a:latin typeface="-apple-system"/>
+              </a:rPr>
+              <a:t>歲左右 正在哭</a:t>
+            </a:r>
+            <a:endParaRPr lang="zh-TW" altLang="en-US" dirty="0"/>
+          </a:p>
+        </p:txBody>
+      </p:sp>
+      <p:sp>
+        <p:nvSpPr>
+          <p:cNvPr id="4" name="投影片編號版面配置區 3"/>
+          <p:cNvSpPr>
+            <a:spLocks noGrp="1"/>
+          </p:cNvSpPr>
+          <p:nvPr>
+            <p:ph type="sldNum" sz="quarter" idx="5"/>
+          </p:nvPr>
+        </p:nvSpPr>
+        <p:spPr/>
+        <p:txBody>
+          <a:bodyPr/>
+          <a:lstStyle/>
+          <a:p>
+            <a:fld id="{8345D91E-5F38-486B-AF8C-39BF739685E9}" type="slidenum">
+              <a:rPr lang="zh-TW" altLang="en-US" smtClean="0"/>
+              <a:t>6</a:t>
+            </a:fld>
+            <a:endParaRPr lang="zh-TW" altLang="en-US"/>
+          </a:p>
+        </p:txBody>
+      </p:sp>
+    </p:spTree>
+    <p:extLst>
+      <p:ext uri="{BB962C8B-B14F-4D97-AF65-F5344CB8AC3E}">
+        <p14:creationId xmlns:p14="http://schemas.microsoft.com/office/powerpoint/2010/main" val="2645783689"/>
+      </p:ext>
+    </p:extLst>
+  </p:cSld>
+  <p:clrMapOvr>
+    <a:masterClrMapping/>
+  </p:clrMapOvr>
+</p:notes>
+</file>
+
+<file path=ppt/notesSlides/notesSlide6.xml><?xml version="1.0" encoding="utf-8"?>
+<p:notes xmlns:a="http://schemas.openxmlformats.org/drawingml/2006/main" xmlns:r="http://schemas.openxmlformats.org/officeDocument/2006/relationships" xmlns:p="http://schemas.openxmlformats.org/presentationml/2006/main">
+  <p:cSld>
+    <p:spTree>
+      <p:nvGrpSpPr>
+        <p:cNvPr id="1" name=""/>
+        <p:cNvGrpSpPr/>
+        <p:nvPr/>
+      </p:nvGrpSpPr>
+      <p:grpSpPr>
+        <a:xfrm>
+          <a:off x="0" y="0"/>
+          <a:ext cx="0" cy="0"/>
+          <a:chOff x="0" y="0"/>
+          <a:chExt cx="0" cy="0"/>
+        </a:xfrm>
+      </p:grpSpPr>
+      <p:sp>
+        <p:nvSpPr>
+          <p:cNvPr id="2" name="投影片影像版面配置區 1"/>
+          <p:cNvSpPr>
+            <a:spLocks noGrp="1" noRot="1" noChangeAspect="1"/>
+          </p:cNvSpPr>
+          <p:nvPr>
+            <p:ph type="sldImg"/>
+          </p:nvPr>
+        </p:nvSpPr>
+        <p:spPr/>
+      </p:sp>
+      <p:sp>
+        <p:nvSpPr>
+          <p:cNvPr id="3" name="備忘稿版面配置區 2"/>
+          <p:cNvSpPr>
+            <a:spLocks noGrp="1"/>
+          </p:cNvSpPr>
+          <p:nvPr>
+            <p:ph type="body" idx="1"/>
+          </p:nvPr>
+        </p:nvSpPr>
+        <p:spPr/>
+        <p:txBody>
+          <a:bodyPr/>
+          <a:lstStyle/>
+          <a:p>
+            <a:r>
+              <a:rPr lang="zh-TW" altLang="en-US" b="0" i="0" dirty="0">
+                <a:solidFill>
+                  <a:srgbClr val="111111"/>
+                </a:solidFill>
+                <a:effectLst/>
+                <a:latin typeface="-apple-system"/>
+              </a:rPr>
+              <a:t>短髮 然後上衣穿白色襯衫 手拿一個外套 褲子灰色牛仔褲 衣服要紮進去 日本動畫風格 人物大概</a:t>
+            </a:r>
+            <a:r>
+              <a:rPr lang="en-US" altLang="zh-TW" b="0" i="0" dirty="0">
+                <a:solidFill>
+                  <a:srgbClr val="111111"/>
+                </a:solidFill>
+                <a:effectLst/>
+                <a:latin typeface="-apple-system"/>
+              </a:rPr>
+              <a:t>20</a:t>
+            </a:r>
+            <a:r>
+              <a:rPr lang="zh-TW" altLang="en-US" b="0" i="0" dirty="0">
+                <a:solidFill>
+                  <a:srgbClr val="111111"/>
+                </a:solidFill>
+                <a:effectLst/>
+                <a:latin typeface="-apple-system"/>
+              </a:rPr>
+              <a:t>歲左右 旁邊站個一個老闆</a:t>
+            </a:r>
+            <a:endParaRPr lang="zh-TW" altLang="en-US" dirty="0"/>
+          </a:p>
+        </p:txBody>
+      </p:sp>
+      <p:sp>
+        <p:nvSpPr>
+          <p:cNvPr id="4" name="投影片編號版面配置區 3"/>
+          <p:cNvSpPr>
+            <a:spLocks noGrp="1"/>
+          </p:cNvSpPr>
+          <p:nvPr>
+            <p:ph type="sldNum" sz="quarter" idx="5"/>
+          </p:nvPr>
+        </p:nvSpPr>
+        <p:spPr/>
+        <p:txBody>
+          <a:bodyPr/>
+          <a:lstStyle/>
+          <a:p>
+            <a:fld id="{8345D91E-5F38-486B-AF8C-39BF739685E9}" type="slidenum">
+              <a:rPr lang="zh-TW" altLang="en-US" smtClean="0"/>
+              <a:t>7</a:t>
+            </a:fld>
+            <a:endParaRPr lang="zh-TW" altLang="en-US"/>
+          </a:p>
+        </p:txBody>
+      </p:sp>
+    </p:spTree>
+    <p:extLst>
+      <p:ext uri="{BB962C8B-B14F-4D97-AF65-F5344CB8AC3E}">
+        <p14:creationId xmlns:p14="http://schemas.microsoft.com/office/powerpoint/2010/main" val="3525539903"/>
+      </p:ext>
+    </p:extLst>
+  </p:cSld>
+  <p:clrMapOvr>
+    <a:masterClrMapping/>
+  </p:clrMapOvr>
+</p:notes>
+</file>
+
+<file path=ppt/notesSlides/notesSlide7.xml><?xml version="1.0" encoding="utf-8"?>
+<p:notes xmlns:a="http://schemas.openxmlformats.org/drawingml/2006/main" xmlns:r="http://schemas.openxmlformats.org/officeDocument/2006/relationships" xmlns:p="http://schemas.openxmlformats.org/presentationml/2006/main">
+  <p:cSld>
+    <p:spTree>
+      <p:nvGrpSpPr>
+        <p:cNvPr id="1" name=""/>
+        <p:cNvGrpSpPr/>
+        <p:nvPr/>
+      </p:nvGrpSpPr>
+      <p:grpSpPr>
+        <a:xfrm>
+          <a:off x="0" y="0"/>
+          <a:ext cx="0" cy="0"/>
+          <a:chOff x="0" y="0"/>
+          <a:chExt cx="0" cy="0"/>
+        </a:xfrm>
+      </p:grpSpPr>
+      <p:sp>
+        <p:nvSpPr>
+          <p:cNvPr id="2" name="投影片影像版面配置區 1"/>
+          <p:cNvSpPr>
+            <a:spLocks noGrp="1" noRot="1" noChangeAspect="1"/>
+          </p:cNvSpPr>
+          <p:nvPr>
+            <p:ph type="sldImg"/>
+          </p:nvPr>
+        </p:nvSpPr>
+        <p:spPr/>
+      </p:sp>
+      <p:sp>
+        <p:nvSpPr>
+          <p:cNvPr id="3" name="備忘稿版面配置區 2"/>
+          <p:cNvSpPr>
+            <a:spLocks noGrp="1"/>
+          </p:cNvSpPr>
+          <p:nvPr>
+            <p:ph type="body" idx="1"/>
+          </p:nvPr>
+        </p:nvSpPr>
+        <p:spPr/>
+        <p:txBody>
+          <a:bodyPr/>
+          <a:lstStyle/>
+          <a:p>
+            <a:r>
+              <a:rPr lang="zh-TW" altLang="en-US" b="0" i="0" dirty="0">
+                <a:solidFill>
+                  <a:srgbClr val="111111"/>
+                </a:solidFill>
+                <a:effectLst/>
+                <a:latin typeface="-apple-system"/>
+              </a:rPr>
+              <a:t>短髮 穿著廚師裝 日本動畫風格 人物大概</a:t>
+            </a:r>
+            <a:r>
+              <a:rPr lang="en-US" altLang="zh-TW" b="0" i="0" dirty="0">
+                <a:solidFill>
+                  <a:srgbClr val="111111"/>
+                </a:solidFill>
+                <a:effectLst/>
+                <a:latin typeface="-apple-system"/>
+              </a:rPr>
+              <a:t>20</a:t>
+            </a:r>
+            <a:r>
+              <a:rPr lang="zh-TW" altLang="en-US" b="0" i="0" dirty="0">
+                <a:solidFill>
+                  <a:srgbClr val="111111"/>
+                </a:solidFill>
+                <a:effectLst/>
+                <a:latin typeface="-apple-system"/>
+              </a:rPr>
+              <a:t>歲左右</a:t>
+            </a:r>
+            <a:endParaRPr lang="zh-TW" altLang="en-US" dirty="0"/>
+          </a:p>
+        </p:txBody>
+      </p:sp>
+      <p:sp>
+        <p:nvSpPr>
+          <p:cNvPr id="4" name="投影片編號版面配置區 3"/>
+          <p:cNvSpPr>
+            <a:spLocks noGrp="1"/>
+          </p:cNvSpPr>
+          <p:nvPr>
+            <p:ph type="sldNum" sz="quarter" idx="5"/>
+          </p:nvPr>
+        </p:nvSpPr>
+        <p:spPr/>
+        <p:txBody>
+          <a:bodyPr/>
+          <a:lstStyle/>
+          <a:p>
+            <a:fld id="{8345D91E-5F38-486B-AF8C-39BF739685E9}" type="slidenum">
+              <a:rPr lang="zh-TW" altLang="en-US" smtClean="0"/>
+              <a:t>8</a:t>
+            </a:fld>
+            <a:endParaRPr lang="zh-TW" altLang="en-US"/>
+          </a:p>
+        </p:txBody>
+      </p:sp>
+    </p:spTree>
+    <p:extLst>
+      <p:ext uri="{BB962C8B-B14F-4D97-AF65-F5344CB8AC3E}">
+        <p14:creationId xmlns:p14="http://schemas.microsoft.com/office/powerpoint/2010/main" val="653196520"/>
+      </p:ext>
+    </p:extLst>
+  </p:cSld>
+  <p:clrMapOvr>
+    <a:masterClrMapping/>
+  </p:clrMapOvr>
+</p:notes>
 </file>
 
 <file path=ppt/slideLayouts/slideLayout1.xml><?xml version="1.0" encoding="utf-8"?>
@@ -129,7 +1281,7 @@
           <p:cNvPr id="2" name="標題 1">
             <a:extLst>
               <a:ext uri="{FF2B5EF4-FFF2-40B4-BE49-F238E27FC236}">
-                <a16:creationId xmlns:a16="http://schemas.microsoft.com/office/drawing/2014/main" id="{EB5CC918-B447-434E-B98E-5847BB49C259}"/>
+                <a16:creationId xmlns:a16="http://schemas.microsoft.com/office/drawing/2014/main" id="{8F382DF6-0AD5-483A-83A8-7C115F2242ED}"/>
               </a:ext>
             </a:extLst>
           </p:cNvPr>
@@ -166,7 +1318,7 @@
           <p:cNvPr id="3" name="副標題 2">
             <a:extLst>
               <a:ext uri="{FF2B5EF4-FFF2-40B4-BE49-F238E27FC236}">
-                <a16:creationId xmlns:a16="http://schemas.microsoft.com/office/drawing/2014/main" id="{817FCC70-CC4E-4CB6-B2CF-9FDA5AC4D346}"/>
+                <a16:creationId xmlns:a16="http://schemas.microsoft.com/office/drawing/2014/main" id="{D1163E51-F974-4394-A6EA-4BFC8ABCCD58}"/>
               </a:ext>
             </a:extLst>
           </p:cNvPr>
@@ -236,7 +1388,7 @@
           <p:cNvPr id="4" name="日期版面配置區 3">
             <a:extLst>
               <a:ext uri="{FF2B5EF4-FFF2-40B4-BE49-F238E27FC236}">
-                <a16:creationId xmlns:a16="http://schemas.microsoft.com/office/drawing/2014/main" id="{BD08F018-0004-4322-AD0F-E6E740964233}"/>
+                <a16:creationId xmlns:a16="http://schemas.microsoft.com/office/drawing/2014/main" id="{C008B7DF-BD5D-499B-924E-CCF71A40E25C}"/>
               </a:ext>
             </a:extLst>
           </p:cNvPr>
@@ -252,9 +1404,9 @@
           <a:bodyPr/>
           <a:lstStyle/>
           <a:p>
-            <a:fld id="{C3C90D7E-32D6-4894-AE08-7BBB3E610FC9}" type="datetimeFigureOut">
+            <a:fld id="{DC7431F7-FAF6-4B0F-B41F-D5C1E25B9E8C}" type="datetimeFigureOut">
               <a:rPr lang="zh-TW" altLang="en-US" smtClean="0"/>
-              <a:t>2024/9/16</a:t>
+              <a:t>2024/10/23</a:t>
             </a:fld>
             <a:endParaRPr lang="zh-TW" altLang="en-US"/>
           </a:p>
@@ -265,7 +1417,7 @@
           <p:cNvPr id="5" name="頁尾版面配置區 4">
             <a:extLst>
               <a:ext uri="{FF2B5EF4-FFF2-40B4-BE49-F238E27FC236}">
-                <a16:creationId xmlns:a16="http://schemas.microsoft.com/office/drawing/2014/main" id="{30427B34-CB13-41C7-B2F2-CED9BDC5B595}"/>
+                <a16:creationId xmlns:a16="http://schemas.microsoft.com/office/drawing/2014/main" id="{BF81D3EA-68C7-4E1C-AB4A-F9A2BA6765BF}"/>
               </a:ext>
             </a:extLst>
           </p:cNvPr>
@@ -290,7 +1442,7 @@
           <p:cNvPr id="6" name="投影片編號版面配置區 5">
             <a:extLst>
               <a:ext uri="{FF2B5EF4-FFF2-40B4-BE49-F238E27FC236}">
-                <a16:creationId xmlns:a16="http://schemas.microsoft.com/office/drawing/2014/main" id="{76FA962E-5B03-439A-928C-87366876542D}"/>
+                <a16:creationId xmlns:a16="http://schemas.microsoft.com/office/drawing/2014/main" id="{80AFD928-B457-4A67-9119-84D19E456A3F}"/>
               </a:ext>
             </a:extLst>
           </p:cNvPr>
@@ -306,7 +1458,7 @@
           <a:bodyPr/>
           <a:lstStyle/>
           <a:p>
-            <a:fld id="{E31EC408-072F-4346-BD0A-D6AA5788A305}" type="slidenum">
+            <a:fld id="{34C60A10-36A1-4D7C-B447-2424A4C839BD}" type="slidenum">
               <a:rPr lang="zh-TW" altLang="en-US" smtClean="0"/>
               <a:t>‹#›</a:t>
             </a:fld>
@@ -317,13 +1469,25 @@
     </p:spTree>
     <p:extLst>
       <p:ext uri="{BB962C8B-B14F-4D97-AF65-F5344CB8AC3E}">
-        <p14:creationId xmlns:p14="http://schemas.microsoft.com/office/powerpoint/2010/main" val="2963035110"/>
+        <p14:creationId xmlns:p14="http://schemas.microsoft.com/office/powerpoint/2010/main" val="3699839984"/>
       </p:ext>
     </p:extLst>
   </p:cSld>
   <p:clrMapOvr>
     <a:masterClrMapping/>
   </p:clrMapOvr>
+  <mc:AlternateContent xmlns:mc="http://schemas.openxmlformats.org/markup-compatibility/2006" xmlns:p159="http://schemas.microsoft.com/office/powerpoint/2015/09/main">
+    <mc:Choice Requires="p159">
+      <p:transition xmlns:p14="http://schemas.microsoft.com/office/powerpoint/2010/main" spd="slow" p14:dur="2000">
+        <p159:morph option="byObject"/>
+      </p:transition>
+    </mc:Choice>
+    <mc:Fallback xmlns="">
+      <p:transition spd="slow">
+        <p:fade/>
+      </p:transition>
+    </mc:Fallback>
+  </mc:AlternateContent>
 </p:sldLayout>
 </file>
 
@@ -349,7 +1513,7 @@
           <p:cNvPr id="2" name="標題 1">
             <a:extLst>
               <a:ext uri="{FF2B5EF4-FFF2-40B4-BE49-F238E27FC236}">
-                <a16:creationId xmlns:a16="http://schemas.microsoft.com/office/drawing/2014/main" id="{A02F0018-7F8E-4206-A929-07CDC6B5F34A}"/>
+                <a16:creationId xmlns:a16="http://schemas.microsoft.com/office/drawing/2014/main" id="{ACE0B213-4F71-4AAA-B335-BA29F7717A16}"/>
               </a:ext>
             </a:extLst>
           </p:cNvPr>
@@ -377,7 +1541,7 @@
           <p:cNvPr id="3" name="直排文字版面配置區 2">
             <a:extLst>
               <a:ext uri="{FF2B5EF4-FFF2-40B4-BE49-F238E27FC236}">
-                <a16:creationId xmlns:a16="http://schemas.microsoft.com/office/drawing/2014/main" id="{9B801E88-34C3-4545-A358-81F5614FED64}"/>
+                <a16:creationId xmlns:a16="http://schemas.microsoft.com/office/drawing/2014/main" id="{3952ADBF-222D-49B2-802D-DD7AFC362028}"/>
               </a:ext>
             </a:extLst>
           </p:cNvPr>
@@ -434,7 +1598,7 @@
           <p:cNvPr id="4" name="日期版面配置區 3">
             <a:extLst>
               <a:ext uri="{FF2B5EF4-FFF2-40B4-BE49-F238E27FC236}">
-                <a16:creationId xmlns:a16="http://schemas.microsoft.com/office/drawing/2014/main" id="{60AFD716-8B99-4230-B55F-C8B88ECBB171}"/>
+                <a16:creationId xmlns:a16="http://schemas.microsoft.com/office/drawing/2014/main" id="{14F2D575-765C-4656-8203-8F9F7C11E70C}"/>
               </a:ext>
             </a:extLst>
           </p:cNvPr>
@@ -450,9 +1614,9 @@
           <a:bodyPr/>
           <a:lstStyle/>
           <a:p>
-            <a:fld id="{C3C90D7E-32D6-4894-AE08-7BBB3E610FC9}" type="datetimeFigureOut">
+            <a:fld id="{DC7431F7-FAF6-4B0F-B41F-D5C1E25B9E8C}" type="datetimeFigureOut">
               <a:rPr lang="zh-TW" altLang="en-US" smtClean="0"/>
-              <a:t>2024/9/16</a:t>
+              <a:t>2024/10/23</a:t>
             </a:fld>
             <a:endParaRPr lang="zh-TW" altLang="en-US"/>
           </a:p>
@@ -463,7 +1627,7 @@
           <p:cNvPr id="5" name="頁尾版面配置區 4">
             <a:extLst>
               <a:ext uri="{FF2B5EF4-FFF2-40B4-BE49-F238E27FC236}">
-                <a16:creationId xmlns:a16="http://schemas.microsoft.com/office/drawing/2014/main" id="{EA374743-76D9-4BF8-A60C-2F50B2636A8A}"/>
+                <a16:creationId xmlns:a16="http://schemas.microsoft.com/office/drawing/2014/main" id="{8E890BBB-5D67-4D51-9712-2B630AFDDA80}"/>
               </a:ext>
             </a:extLst>
           </p:cNvPr>
@@ -488,7 +1652,7 @@
           <p:cNvPr id="6" name="投影片編號版面配置區 5">
             <a:extLst>
               <a:ext uri="{FF2B5EF4-FFF2-40B4-BE49-F238E27FC236}">
-                <a16:creationId xmlns:a16="http://schemas.microsoft.com/office/drawing/2014/main" id="{00454594-6C11-4013-A666-A151E960EC9B}"/>
+                <a16:creationId xmlns:a16="http://schemas.microsoft.com/office/drawing/2014/main" id="{C36CDED8-7114-45A7-99A0-974E9E3D31CE}"/>
               </a:ext>
             </a:extLst>
           </p:cNvPr>
@@ -504,7 +1668,7 @@
           <a:bodyPr/>
           <a:lstStyle/>
           <a:p>
-            <a:fld id="{E31EC408-072F-4346-BD0A-D6AA5788A305}" type="slidenum">
+            <a:fld id="{34C60A10-36A1-4D7C-B447-2424A4C839BD}" type="slidenum">
               <a:rPr lang="zh-TW" altLang="en-US" smtClean="0"/>
               <a:t>‹#›</a:t>
             </a:fld>
@@ -515,13 +1679,25 @@
     </p:spTree>
     <p:extLst>
       <p:ext uri="{BB962C8B-B14F-4D97-AF65-F5344CB8AC3E}">
-        <p14:creationId xmlns:p14="http://schemas.microsoft.com/office/powerpoint/2010/main" val="188953001"/>
+        <p14:creationId xmlns:p14="http://schemas.microsoft.com/office/powerpoint/2010/main" val="3630186768"/>
       </p:ext>
     </p:extLst>
   </p:cSld>
   <p:clrMapOvr>
     <a:masterClrMapping/>
   </p:clrMapOvr>
+  <mc:AlternateContent xmlns:mc="http://schemas.openxmlformats.org/markup-compatibility/2006" xmlns:p159="http://schemas.microsoft.com/office/powerpoint/2015/09/main">
+    <mc:Choice Requires="p159">
+      <p:transition xmlns:p14="http://schemas.microsoft.com/office/powerpoint/2010/main" spd="slow" p14:dur="2000">
+        <p159:morph option="byObject"/>
+      </p:transition>
+    </mc:Choice>
+    <mc:Fallback xmlns="">
+      <p:transition spd="slow">
+        <p:fade/>
+      </p:transition>
+    </mc:Fallback>
+  </mc:AlternateContent>
 </p:sldLayout>
 </file>
 
@@ -547,7 +1723,7 @@
           <p:cNvPr id="2" name="直排標題 1">
             <a:extLst>
               <a:ext uri="{FF2B5EF4-FFF2-40B4-BE49-F238E27FC236}">
-                <a16:creationId xmlns:a16="http://schemas.microsoft.com/office/drawing/2014/main" id="{70F760AC-E708-4605-85E2-7D0F424B3E29}"/>
+                <a16:creationId xmlns:a16="http://schemas.microsoft.com/office/drawing/2014/main" id="{B75AB462-06A3-4568-9B49-7F8D0F332B20}"/>
               </a:ext>
             </a:extLst>
           </p:cNvPr>
@@ -580,7 +1756,7 @@
           <p:cNvPr id="3" name="直排文字版面配置區 2">
             <a:extLst>
               <a:ext uri="{FF2B5EF4-FFF2-40B4-BE49-F238E27FC236}">
-                <a16:creationId xmlns:a16="http://schemas.microsoft.com/office/drawing/2014/main" id="{84BECF48-F3B6-4D47-82A8-C6AE92EDC2F0}"/>
+                <a16:creationId xmlns:a16="http://schemas.microsoft.com/office/drawing/2014/main" id="{70D060F7-F44F-4B23-BE70-C8762118CA8F}"/>
               </a:ext>
             </a:extLst>
           </p:cNvPr>
@@ -642,7 +1818,7 @@
           <p:cNvPr id="4" name="日期版面配置區 3">
             <a:extLst>
               <a:ext uri="{FF2B5EF4-FFF2-40B4-BE49-F238E27FC236}">
-                <a16:creationId xmlns:a16="http://schemas.microsoft.com/office/drawing/2014/main" id="{215DE52A-093E-4116-A2FE-F61BA999B89F}"/>
+                <a16:creationId xmlns:a16="http://schemas.microsoft.com/office/drawing/2014/main" id="{571C1312-FE27-45FB-9014-7E1EF3B8ADC6}"/>
               </a:ext>
             </a:extLst>
           </p:cNvPr>
@@ -658,9 +1834,9 @@
           <a:bodyPr/>
           <a:lstStyle/>
           <a:p>
-            <a:fld id="{C3C90D7E-32D6-4894-AE08-7BBB3E610FC9}" type="datetimeFigureOut">
+            <a:fld id="{DC7431F7-FAF6-4B0F-B41F-D5C1E25B9E8C}" type="datetimeFigureOut">
               <a:rPr lang="zh-TW" altLang="en-US" smtClean="0"/>
-              <a:t>2024/9/16</a:t>
+              <a:t>2024/10/23</a:t>
             </a:fld>
             <a:endParaRPr lang="zh-TW" altLang="en-US"/>
           </a:p>
@@ -671,7 +1847,7 @@
           <p:cNvPr id="5" name="頁尾版面配置區 4">
             <a:extLst>
               <a:ext uri="{FF2B5EF4-FFF2-40B4-BE49-F238E27FC236}">
-                <a16:creationId xmlns:a16="http://schemas.microsoft.com/office/drawing/2014/main" id="{34553FE1-A5D9-4070-AA9C-378F491D4677}"/>
+                <a16:creationId xmlns:a16="http://schemas.microsoft.com/office/drawing/2014/main" id="{E67B37C2-C9B2-444C-8149-D84A061AE461}"/>
               </a:ext>
             </a:extLst>
           </p:cNvPr>
@@ -696,7 +1872,7 @@
           <p:cNvPr id="6" name="投影片編號版面配置區 5">
             <a:extLst>
               <a:ext uri="{FF2B5EF4-FFF2-40B4-BE49-F238E27FC236}">
-                <a16:creationId xmlns:a16="http://schemas.microsoft.com/office/drawing/2014/main" id="{928EFDDC-5B11-4543-8144-518625EDA57F}"/>
+                <a16:creationId xmlns:a16="http://schemas.microsoft.com/office/drawing/2014/main" id="{296D9BEE-E4FD-4DF3-9104-FD3F654D6CFF}"/>
               </a:ext>
             </a:extLst>
           </p:cNvPr>
@@ -712,7 +1888,7 @@
           <a:bodyPr/>
           <a:lstStyle/>
           <a:p>
-            <a:fld id="{E31EC408-072F-4346-BD0A-D6AA5788A305}" type="slidenum">
+            <a:fld id="{34C60A10-36A1-4D7C-B447-2424A4C839BD}" type="slidenum">
               <a:rPr lang="zh-TW" altLang="en-US" smtClean="0"/>
               <a:t>‹#›</a:t>
             </a:fld>
@@ -723,13 +1899,25 @@
     </p:spTree>
     <p:extLst>
       <p:ext uri="{BB962C8B-B14F-4D97-AF65-F5344CB8AC3E}">
-        <p14:creationId xmlns:p14="http://schemas.microsoft.com/office/powerpoint/2010/main" val="2483123943"/>
+        <p14:creationId xmlns:p14="http://schemas.microsoft.com/office/powerpoint/2010/main" val="1968832021"/>
       </p:ext>
     </p:extLst>
   </p:cSld>
   <p:clrMapOvr>
     <a:masterClrMapping/>
   </p:clrMapOvr>
+  <mc:AlternateContent xmlns:mc="http://schemas.openxmlformats.org/markup-compatibility/2006" xmlns:p159="http://schemas.microsoft.com/office/powerpoint/2015/09/main">
+    <mc:Choice Requires="p159">
+      <p:transition xmlns:p14="http://schemas.microsoft.com/office/powerpoint/2010/main" spd="slow" p14:dur="2000">
+        <p159:morph option="byObject"/>
+      </p:transition>
+    </mc:Choice>
+    <mc:Fallback xmlns="">
+      <p:transition spd="slow">
+        <p:fade/>
+      </p:transition>
+    </mc:Fallback>
+  </mc:AlternateContent>
 </p:sldLayout>
 </file>
 
@@ -755,7 +1943,7 @@
           <p:cNvPr id="2" name="標題 1">
             <a:extLst>
               <a:ext uri="{FF2B5EF4-FFF2-40B4-BE49-F238E27FC236}">
-                <a16:creationId xmlns:a16="http://schemas.microsoft.com/office/drawing/2014/main" id="{A1BFCF4C-FB58-444C-B754-A594851E4C7B}"/>
+                <a16:creationId xmlns:a16="http://schemas.microsoft.com/office/drawing/2014/main" id="{AE9C147D-C568-452C-B4E8-206052849467}"/>
               </a:ext>
             </a:extLst>
           </p:cNvPr>
@@ -783,7 +1971,7 @@
           <p:cNvPr id="3" name="內容版面配置區 2">
             <a:extLst>
               <a:ext uri="{FF2B5EF4-FFF2-40B4-BE49-F238E27FC236}">
-                <a16:creationId xmlns:a16="http://schemas.microsoft.com/office/drawing/2014/main" id="{987C475D-648F-4511-A6FE-04B04F755F93}"/>
+                <a16:creationId xmlns:a16="http://schemas.microsoft.com/office/drawing/2014/main" id="{9F7E7B9E-9D46-4838-912E-B7A66F57702D}"/>
               </a:ext>
             </a:extLst>
           </p:cNvPr>
@@ -840,7 +2028,7 @@
           <p:cNvPr id="4" name="日期版面配置區 3">
             <a:extLst>
               <a:ext uri="{FF2B5EF4-FFF2-40B4-BE49-F238E27FC236}">
-                <a16:creationId xmlns:a16="http://schemas.microsoft.com/office/drawing/2014/main" id="{F511FCF8-D8F7-4914-920F-D63F2D97F713}"/>
+                <a16:creationId xmlns:a16="http://schemas.microsoft.com/office/drawing/2014/main" id="{A8ED1B35-DE73-4213-973C-FAE73BF3F654}"/>
               </a:ext>
             </a:extLst>
           </p:cNvPr>
@@ -856,9 +2044,9 @@
           <a:bodyPr/>
           <a:lstStyle/>
           <a:p>
-            <a:fld id="{C3C90D7E-32D6-4894-AE08-7BBB3E610FC9}" type="datetimeFigureOut">
+            <a:fld id="{DC7431F7-FAF6-4B0F-B41F-D5C1E25B9E8C}" type="datetimeFigureOut">
               <a:rPr lang="zh-TW" altLang="en-US" smtClean="0"/>
-              <a:t>2024/9/16</a:t>
+              <a:t>2024/10/23</a:t>
             </a:fld>
             <a:endParaRPr lang="zh-TW" altLang="en-US"/>
           </a:p>
@@ -869,7 +2057,7 @@
           <p:cNvPr id="5" name="頁尾版面配置區 4">
             <a:extLst>
               <a:ext uri="{FF2B5EF4-FFF2-40B4-BE49-F238E27FC236}">
-                <a16:creationId xmlns:a16="http://schemas.microsoft.com/office/drawing/2014/main" id="{7E1D3E8F-338D-4B4D-B411-5282866FF95D}"/>
+                <a16:creationId xmlns:a16="http://schemas.microsoft.com/office/drawing/2014/main" id="{65AB21F1-AD61-4124-9099-9C730ED81309}"/>
               </a:ext>
             </a:extLst>
           </p:cNvPr>
@@ -894,7 +2082,7 @@
           <p:cNvPr id="6" name="投影片編號版面配置區 5">
             <a:extLst>
               <a:ext uri="{FF2B5EF4-FFF2-40B4-BE49-F238E27FC236}">
-                <a16:creationId xmlns:a16="http://schemas.microsoft.com/office/drawing/2014/main" id="{F7DF3AD5-06B6-42D8-AEDF-66CCE6582524}"/>
+                <a16:creationId xmlns:a16="http://schemas.microsoft.com/office/drawing/2014/main" id="{9E69E7ED-2D49-4B8F-B515-0565FA381B51}"/>
               </a:ext>
             </a:extLst>
           </p:cNvPr>
@@ -910,7 +2098,7 @@
           <a:bodyPr/>
           <a:lstStyle/>
           <a:p>
-            <a:fld id="{E31EC408-072F-4346-BD0A-D6AA5788A305}" type="slidenum">
+            <a:fld id="{34C60A10-36A1-4D7C-B447-2424A4C839BD}" type="slidenum">
               <a:rPr lang="zh-TW" altLang="en-US" smtClean="0"/>
               <a:t>‹#›</a:t>
             </a:fld>
@@ -921,13 +2109,25 @@
     </p:spTree>
     <p:extLst>
       <p:ext uri="{BB962C8B-B14F-4D97-AF65-F5344CB8AC3E}">
-        <p14:creationId xmlns:p14="http://schemas.microsoft.com/office/powerpoint/2010/main" val="4198509733"/>
+        <p14:creationId xmlns:p14="http://schemas.microsoft.com/office/powerpoint/2010/main" val="1096641612"/>
       </p:ext>
     </p:extLst>
   </p:cSld>
   <p:clrMapOvr>
     <a:masterClrMapping/>
   </p:clrMapOvr>
+  <mc:AlternateContent xmlns:mc="http://schemas.openxmlformats.org/markup-compatibility/2006" xmlns:p159="http://schemas.microsoft.com/office/powerpoint/2015/09/main">
+    <mc:Choice Requires="p159">
+      <p:transition xmlns:p14="http://schemas.microsoft.com/office/powerpoint/2010/main" spd="slow" p14:dur="2000">
+        <p159:morph option="byObject"/>
+      </p:transition>
+    </mc:Choice>
+    <mc:Fallback xmlns="">
+      <p:transition spd="slow">
+        <p:fade/>
+      </p:transition>
+    </mc:Fallback>
+  </mc:AlternateContent>
 </p:sldLayout>
 </file>
 
@@ -953,7 +2153,7 @@
           <p:cNvPr id="2" name="標題 1">
             <a:extLst>
               <a:ext uri="{FF2B5EF4-FFF2-40B4-BE49-F238E27FC236}">
-                <a16:creationId xmlns:a16="http://schemas.microsoft.com/office/drawing/2014/main" id="{5986B870-2B24-4658-9AEB-3C92E8E40B41}"/>
+                <a16:creationId xmlns:a16="http://schemas.microsoft.com/office/drawing/2014/main" id="{BB487D36-7FB2-4D3C-9481-8186C4F833F3}"/>
               </a:ext>
             </a:extLst>
           </p:cNvPr>
@@ -990,7 +2190,7 @@
           <p:cNvPr id="3" name="文字版面配置區 2">
             <a:extLst>
               <a:ext uri="{FF2B5EF4-FFF2-40B4-BE49-F238E27FC236}">
-                <a16:creationId xmlns:a16="http://schemas.microsoft.com/office/drawing/2014/main" id="{90235018-E757-4630-8511-F466B919268F}"/>
+                <a16:creationId xmlns:a16="http://schemas.microsoft.com/office/drawing/2014/main" id="{EDBE3862-E8E0-487F-BCF0-A20C74C703D1}"/>
               </a:ext>
             </a:extLst>
           </p:cNvPr>
@@ -1115,7 +2315,7 @@
           <p:cNvPr id="4" name="日期版面配置區 3">
             <a:extLst>
               <a:ext uri="{FF2B5EF4-FFF2-40B4-BE49-F238E27FC236}">
-                <a16:creationId xmlns:a16="http://schemas.microsoft.com/office/drawing/2014/main" id="{37546C76-CF19-433D-9070-0A54A149F1B2}"/>
+                <a16:creationId xmlns:a16="http://schemas.microsoft.com/office/drawing/2014/main" id="{CF2AB19B-557F-48E6-940B-D924DDC1D4A8}"/>
               </a:ext>
             </a:extLst>
           </p:cNvPr>
@@ -1131,9 +2331,9 @@
           <a:bodyPr/>
           <a:lstStyle/>
           <a:p>
-            <a:fld id="{C3C90D7E-32D6-4894-AE08-7BBB3E610FC9}" type="datetimeFigureOut">
+            <a:fld id="{DC7431F7-FAF6-4B0F-B41F-D5C1E25B9E8C}" type="datetimeFigureOut">
               <a:rPr lang="zh-TW" altLang="en-US" smtClean="0"/>
-              <a:t>2024/9/16</a:t>
+              <a:t>2024/10/23</a:t>
             </a:fld>
             <a:endParaRPr lang="zh-TW" altLang="en-US"/>
           </a:p>
@@ -1144,7 +2344,7 @@
           <p:cNvPr id="5" name="頁尾版面配置區 4">
             <a:extLst>
               <a:ext uri="{FF2B5EF4-FFF2-40B4-BE49-F238E27FC236}">
-                <a16:creationId xmlns:a16="http://schemas.microsoft.com/office/drawing/2014/main" id="{9C9DC25F-827C-4564-AD0E-7FD815D53AF7}"/>
+                <a16:creationId xmlns:a16="http://schemas.microsoft.com/office/drawing/2014/main" id="{F4897D4E-D1A0-47D2-AECC-6D6F37BF63B9}"/>
               </a:ext>
             </a:extLst>
           </p:cNvPr>
@@ -1169,7 +2369,7 @@
           <p:cNvPr id="6" name="投影片編號版面配置區 5">
             <a:extLst>
               <a:ext uri="{FF2B5EF4-FFF2-40B4-BE49-F238E27FC236}">
-                <a16:creationId xmlns:a16="http://schemas.microsoft.com/office/drawing/2014/main" id="{8C0653A6-68AA-4213-8D62-EAF9243D6998}"/>
+                <a16:creationId xmlns:a16="http://schemas.microsoft.com/office/drawing/2014/main" id="{F2A17153-E881-4F0C-999A-C5240C433EA2}"/>
               </a:ext>
             </a:extLst>
           </p:cNvPr>
@@ -1185,7 +2385,7 @@
           <a:bodyPr/>
           <a:lstStyle/>
           <a:p>
-            <a:fld id="{E31EC408-072F-4346-BD0A-D6AA5788A305}" type="slidenum">
+            <a:fld id="{34C60A10-36A1-4D7C-B447-2424A4C839BD}" type="slidenum">
               <a:rPr lang="zh-TW" altLang="en-US" smtClean="0"/>
               <a:t>‹#›</a:t>
             </a:fld>
@@ -1196,13 +2396,25 @@
     </p:spTree>
     <p:extLst>
       <p:ext uri="{BB962C8B-B14F-4D97-AF65-F5344CB8AC3E}">
-        <p14:creationId xmlns:p14="http://schemas.microsoft.com/office/powerpoint/2010/main" val="3126775509"/>
+        <p14:creationId xmlns:p14="http://schemas.microsoft.com/office/powerpoint/2010/main" val="1271793709"/>
       </p:ext>
     </p:extLst>
   </p:cSld>
   <p:clrMapOvr>
     <a:masterClrMapping/>
   </p:clrMapOvr>
+  <mc:AlternateContent xmlns:mc="http://schemas.openxmlformats.org/markup-compatibility/2006" xmlns:p159="http://schemas.microsoft.com/office/powerpoint/2015/09/main">
+    <mc:Choice Requires="p159">
+      <p:transition xmlns:p14="http://schemas.microsoft.com/office/powerpoint/2010/main" spd="slow" p14:dur="2000">
+        <p159:morph option="byObject"/>
+      </p:transition>
+    </mc:Choice>
+    <mc:Fallback xmlns="">
+      <p:transition spd="slow">
+        <p:fade/>
+      </p:transition>
+    </mc:Fallback>
+  </mc:AlternateContent>
 </p:sldLayout>
 </file>
 
@@ -1228,7 +2440,7 @@
           <p:cNvPr id="2" name="標題 1">
             <a:extLst>
               <a:ext uri="{FF2B5EF4-FFF2-40B4-BE49-F238E27FC236}">
-                <a16:creationId xmlns:a16="http://schemas.microsoft.com/office/drawing/2014/main" id="{F8A74D77-9E6E-4FD1-97AD-0ADC1228B6AF}"/>
+                <a16:creationId xmlns:a16="http://schemas.microsoft.com/office/drawing/2014/main" id="{65A7AF16-2657-44E0-AB77-74E01ED22967}"/>
               </a:ext>
             </a:extLst>
           </p:cNvPr>
@@ -1256,7 +2468,7 @@
           <p:cNvPr id="3" name="內容版面配置區 2">
             <a:extLst>
               <a:ext uri="{FF2B5EF4-FFF2-40B4-BE49-F238E27FC236}">
-                <a16:creationId xmlns:a16="http://schemas.microsoft.com/office/drawing/2014/main" id="{9FDE4E9B-689C-4373-B281-9636BE211982}"/>
+                <a16:creationId xmlns:a16="http://schemas.microsoft.com/office/drawing/2014/main" id="{B7DC6C4A-4502-4440-A4D8-BFA09748D43A}"/>
               </a:ext>
             </a:extLst>
           </p:cNvPr>
@@ -1318,7 +2530,7 @@
           <p:cNvPr id="4" name="內容版面配置區 3">
             <a:extLst>
               <a:ext uri="{FF2B5EF4-FFF2-40B4-BE49-F238E27FC236}">
-                <a16:creationId xmlns:a16="http://schemas.microsoft.com/office/drawing/2014/main" id="{CD25EC10-0BDA-4ECA-AB8E-059AC3378E22}"/>
+                <a16:creationId xmlns:a16="http://schemas.microsoft.com/office/drawing/2014/main" id="{9D8E0617-8255-4079-A2EC-1445208871C0}"/>
               </a:ext>
             </a:extLst>
           </p:cNvPr>
@@ -1380,7 +2592,7 @@
           <p:cNvPr id="5" name="日期版面配置區 4">
             <a:extLst>
               <a:ext uri="{FF2B5EF4-FFF2-40B4-BE49-F238E27FC236}">
-                <a16:creationId xmlns:a16="http://schemas.microsoft.com/office/drawing/2014/main" id="{63DAF127-0983-4C38-869C-C0A513FA9147}"/>
+                <a16:creationId xmlns:a16="http://schemas.microsoft.com/office/drawing/2014/main" id="{08A606BD-74E4-4FDF-A2CA-43EC5553E7DD}"/>
               </a:ext>
             </a:extLst>
           </p:cNvPr>
@@ -1396,9 +2608,9 @@
           <a:bodyPr/>
           <a:lstStyle/>
           <a:p>
-            <a:fld id="{C3C90D7E-32D6-4894-AE08-7BBB3E610FC9}" type="datetimeFigureOut">
+            <a:fld id="{DC7431F7-FAF6-4B0F-B41F-D5C1E25B9E8C}" type="datetimeFigureOut">
               <a:rPr lang="zh-TW" altLang="en-US" smtClean="0"/>
-              <a:t>2024/9/16</a:t>
+              <a:t>2024/10/23</a:t>
             </a:fld>
             <a:endParaRPr lang="zh-TW" altLang="en-US"/>
           </a:p>
@@ -1409,7 +2621,7 @@
           <p:cNvPr id="6" name="頁尾版面配置區 5">
             <a:extLst>
               <a:ext uri="{FF2B5EF4-FFF2-40B4-BE49-F238E27FC236}">
-                <a16:creationId xmlns:a16="http://schemas.microsoft.com/office/drawing/2014/main" id="{E014CBA6-CCE3-4CF4-8E13-D895EDBD8F25}"/>
+                <a16:creationId xmlns:a16="http://schemas.microsoft.com/office/drawing/2014/main" id="{5C9BED5A-CB9E-43FA-9E3F-B483BA9315E8}"/>
               </a:ext>
             </a:extLst>
           </p:cNvPr>
@@ -1434,7 +2646,7 @@
           <p:cNvPr id="7" name="投影片編號版面配置區 6">
             <a:extLst>
               <a:ext uri="{FF2B5EF4-FFF2-40B4-BE49-F238E27FC236}">
-                <a16:creationId xmlns:a16="http://schemas.microsoft.com/office/drawing/2014/main" id="{5CEAA8E5-79B3-445E-B8C3-29BD56CE6D7A}"/>
+                <a16:creationId xmlns:a16="http://schemas.microsoft.com/office/drawing/2014/main" id="{D624B369-876F-44AF-B51E-3A5D5823734F}"/>
               </a:ext>
             </a:extLst>
           </p:cNvPr>
@@ -1450,7 +2662,7 @@
           <a:bodyPr/>
           <a:lstStyle/>
           <a:p>
-            <a:fld id="{E31EC408-072F-4346-BD0A-D6AA5788A305}" type="slidenum">
+            <a:fld id="{34C60A10-36A1-4D7C-B447-2424A4C839BD}" type="slidenum">
               <a:rPr lang="zh-TW" altLang="en-US" smtClean="0"/>
               <a:t>‹#›</a:t>
             </a:fld>
@@ -1461,13 +2673,25 @@
     </p:spTree>
     <p:extLst>
       <p:ext uri="{BB962C8B-B14F-4D97-AF65-F5344CB8AC3E}">
-        <p14:creationId xmlns:p14="http://schemas.microsoft.com/office/powerpoint/2010/main" val="3858213488"/>
+        <p14:creationId xmlns:p14="http://schemas.microsoft.com/office/powerpoint/2010/main" val="2533763943"/>
       </p:ext>
     </p:extLst>
   </p:cSld>
   <p:clrMapOvr>
     <a:masterClrMapping/>
   </p:clrMapOvr>
+  <mc:AlternateContent xmlns:mc="http://schemas.openxmlformats.org/markup-compatibility/2006" xmlns:p159="http://schemas.microsoft.com/office/powerpoint/2015/09/main">
+    <mc:Choice Requires="p159">
+      <p:transition xmlns:p14="http://schemas.microsoft.com/office/powerpoint/2010/main" spd="slow" p14:dur="2000">
+        <p159:morph option="byObject"/>
+      </p:transition>
+    </mc:Choice>
+    <mc:Fallback xmlns="">
+      <p:transition spd="slow">
+        <p:fade/>
+      </p:transition>
+    </mc:Fallback>
+  </mc:AlternateContent>
 </p:sldLayout>
 </file>
 
@@ -1493,7 +2717,7 @@
           <p:cNvPr id="2" name="標題 1">
             <a:extLst>
               <a:ext uri="{FF2B5EF4-FFF2-40B4-BE49-F238E27FC236}">
-                <a16:creationId xmlns:a16="http://schemas.microsoft.com/office/drawing/2014/main" id="{A00F76B6-8DEC-4A74-A06A-BA0146321CD8}"/>
+                <a16:creationId xmlns:a16="http://schemas.microsoft.com/office/drawing/2014/main" id="{3E167FDD-9352-47EC-B8E6-7BD212464415}"/>
               </a:ext>
             </a:extLst>
           </p:cNvPr>
@@ -1526,7 +2750,7 @@
           <p:cNvPr id="3" name="文字版面配置區 2">
             <a:extLst>
               <a:ext uri="{FF2B5EF4-FFF2-40B4-BE49-F238E27FC236}">
-                <a16:creationId xmlns:a16="http://schemas.microsoft.com/office/drawing/2014/main" id="{EF00F5C5-99A7-4F16-855A-F170362659F7}"/>
+                <a16:creationId xmlns:a16="http://schemas.microsoft.com/office/drawing/2014/main" id="{40CA0825-DF99-472E-864F-C39ED98F7076}"/>
               </a:ext>
             </a:extLst>
           </p:cNvPr>
@@ -1597,7 +2821,7 @@
           <p:cNvPr id="4" name="內容版面配置區 3">
             <a:extLst>
               <a:ext uri="{FF2B5EF4-FFF2-40B4-BE49-F238E27FC236}">
-                <a16:creationId xmlns:a16="http://schemas.microsoft.com/office/drawing/2014/main" id="{6722BEB2-C9B4-4C14-8234-D17E84349984}"/>
+                <a16:creationId xmlns:a16="http://schemas.microsoft.com/office/drawing/2014/main" id="{B1642A77-9F82-4E6E-96CA-4C6BCF2DB432}"/>
               </a:ext>
             </a:extLst>
           </p:cNvPr>
@@ -1659,7 +2883,7 @@
           <p:cNvPr id="5" name="文字版面配置區 4">
             <a:extLst>
               <a:ext uri="{FF2B5EF4-FFF2-40B4-BE49-F238E27FC236}">
-                <a16:creationId xmlns:a16="http://schemas.microsoft.com/office/drawing/2014/main" id="{E4A41162-A0AC-4211-940F-4B92208F9B0E}"/>
+                <a16:creationId xmlns:a16="http://schemas.microsoft.com/office/drawing/2014/main" id="{BCF1A02C-D33B-4913-BE60-E1F35C43AF3C}"/>
               </a:ext>
             </a:extLst>
           </p:cNvPr>
@@ -1730,7 +2954,7 @@
           <p:cNvPr id="6" name="內容版面配置區 5">
             <a:extLst>
               <a:ext uri="{FF2B5EF4-FFF2-40B4-BE49-F238E27FC236}">
-                <a16:creationId xmlns:a16="http://schemas.microsoft.com/office/drawing/2014/main" id="{E8EA159A-F9D7-4F58-A7C3-6E5B65E42266}"/>
+                <a16:creationId xmlns:a16="http://schemas.microsoft.com/office/drawing/2014/main" id="{74C60B75-F8BB-47FA-B0BA-14DEE9B7A2B1}"/>
               </a:ext>
             </a:extLst>
           </p:cNvPr>
@@ -1792,7 +3016,7 @@
           <p:cNvPr id="7" name="日期版面配置區 6">
             <a:extLst>
               <a:ext uri="{FF2B5EF4-FFF2-40B4-BE49-F238E27FC236}">
-                <a16:creationId xmlns:a16="http://schemas.microsoft.com/office/drawing/2014/main" id="{AE973E80-9141-48B7-A9D7-605A4541768F}"/>
+                <a16:creationId xmlns:a16="http://schemas.microsoft.com/office/drawing/2014/main" id="{03CAA1C3-E626-4D2B-B7EB-562706134B86}"/>
               </a:ext>
             </a:extLst>
           </p:cNvPr>
@@ -1808,9 +3032,9 @@
           <a:bodyPr/>
           <a:lstStyle/>
           <a:p>
-            <a:fld id="{C3C90D7E-32D6-4894-AE08-7BBB3E610FC9}" type="datetimeFigureOut">
+            <a:fld id="{DC7431F7-FAF6-4B0F-B41F-D5C1E25B9E8C}" type="datetimeFigureOut">
               <a:rPr lang="zh-TW" altLang="en-US" smtClean="0"/>
-              <a:t>2024/9/16</a:t>
+              <a:t>2024/10/23</a:t>
             </a:fld>
             <a:endParaRPr lang="zh-TW" altLang="en-US"/>
           </a:p>
@@ -1821,7 +3045,7 @@
           <p:cNvPr id="8" name="頁尾版面配置區 7">
             <a:extLst>
               <a:ext uri="{FF2B5EF4-FFF2-40B4-BE49-F238E27FC236}">
-                <a16:creationId xmlns:a16="http://schemas.microsoft.com/office/drawing/2014/main" id="{6520B07A-79F8-43E7-8013-632DD2AED223}"/>
+                <a16:creationId xmlns:a16="http://schemas.microsoft.com/office/drawing/2014/main" id="{19E2023F-F157-4582-9DFA-3C9E767A7B5B}"/>
               </a:ext>
             </a:extLst>
           </p:cNvPr>
@@ -1846,7 +3070,7 @@
           <p:cNvPr id="9" name="投影片編號版面配置區 8">
             <a:extLst>
               <a:ext uri="{FF2B5EF4-FFF2-40B4-BE49-F238E27FC236}">
-                <a16:creationId xmlns:a16="http://schemas.microsoft.com/office/drawing/2014/main" id="{3B997D8F-4F1C-4DE6-A82C-3E0C38ACAE96}"/>
+                <a16:creationId xmlns:a16="http://schemas.microsoft.com/office/drawing/2014/main" id="{94091475-A92B-4247-934A-0E8FC5EDA3A5}"/>
               </a:ext>
             </a:extLst>
           </p:cNvPr>
@@ -1862,7 +3086,7 @@
           <a:bodyPr/>
           <a:lstStyle/>
           <a:p>
-            <a:fld id="{E31EC408-072F-4346-BD0A-D6AA5788A305}" type="slidenum">
+            <a:fld id="{34C60A10-36A1-4D7C-B447-2424A4C839BD}" type="slidenum">
               <a:rPr lang="zh-TW" altLang="en-US" smtClean="0"/>
               <a:t>‹#›</a:t>
             </a:fld>
@@ -1873,13 +3097,25 @@
     </p:spTree>
     <p:extLst>
       <p:ext uri="{BB962C8B-B14F-4D97-AF65-F5344CB8AC3E}">
-        <p14:creationId xmlns:p14="http://schemas.microsoft.com/office/powerpoint/2010/main" val="3379995638"/>
+        <p14:creationId xmlns:p14="http://schemas.microsoft.com/office/powerpoint/2010/main" val="1757229862"/>
       </p:ext>
     </p:extLst>
   </p:cSld>
   <p:clrMapOvr>
     <a:masterClrMapping/>
   </p:clrMapOvr>
+  <mc:AlternateContent xmlns:mc="http://schemas.openxmlformats.org/markup-compatibility/2006" xmlns:p159="http://schemas.microsoft.com/office/powerpoint/2015/09/main">
+    <mc:Choice Requires="p159">
+      <p:transition xmlns:p14="http://schemas.microsoft.com/office/powerpoint/2010/main" spd="slow" p14:dur="2000">
+        <p159:morph option="byObject"/>
+      </p:transition>
+    </mc:Choice>
+    <mc:Fallback xmlns="">
+      <p:transition spd="slow">
+        <p:fade/>
+      </p:transition>
+    </mc:Fallback>
+  </mc:AlternateContent>
 </p:sldLayout>
 </file>
 
@@ -1905,7 +3141,7 @@
           <p:cNvPr id="2" name="標題 1">
             <a:extLst>
               <a:ext uri="{FF2B5EF4-FFF2-40B4-BE49-F238E27FC236}">
-                <a16:creationId xmlns:a16="http://schemas.microsoft.com/office/drawing/2014/main" id="{6CE04611-FD10-429D-89AA-73C259B64293}"/>
+                <a16:creationId xmlns:a16="http://schemas.microsoft.com/office/drawing/2014/main" id="{228B1C81-F06F-493B-9FD0-1A33DD7D924C}"/>
               </a:ext>
             </a:extLst>
           </p:cNvPr>
@@ -1933,7 +3169,7 @@
           <p:cNvPr id="3" name="日期版面配置區 2">
             <a:extLst>
               <a:ext uri="{FF2B5EF4-FFF2-40B4-BE49-F238E27FC236}">
-                <a16:creationId xmlns:a16="http://schemas.microsoft.com/office/drawing/2014/main" id="{2D9009F3-A280-4DA8-ACC4-187DE2172BCA}"/>
+                <a16:creationId xmlns:a16="http://schemas.microsoft.com/office/drawing/2014/main" id="{70CAB5A5-C4C0-4FF3-8003-18D19DD680DF}"/>
               </a:ext>
             </a:extLst>
           </p:cNvPr>
@@ -1949,9 +3185,9 @@
           <a:bodyPr/>
           <a:lstStyle/>
           <a:p>
-            <a:fld id="{C3C90D7E-32D6-4894-AE08-7BBB3E610FC9}" type="datetimeFigureOut">
+            <a:fld id="{DC7431F7-FAF6-4B0F-B41F-D5C1E25B9E8C}" type="datetimeFigureOut">
               <a:rPr lang="zh-TW" altLang="en-US" smtClean="0"/>
-              <a:t>2024/9/16</a:t>
+              <a:t>2024/10/23</a:t>
             </a:fld>
             <a:endParaRPr lang="zh-TW" altLang="en-US"/>
           </a:p>
@@ -1962,7 +3198,7 @@
           <p:cNvPr id="4" name="頁尾版面配置區 3">
             <a:extLst>
               <a:ext uri="{FF2B5EF4-FFF2-40B4-BE49-F238E27FC236}">
-                <a16:creationId xmlns:a16="http://schemas.microsoft.com/office/drawing/2014/main" id="{F8FD791E-F627-4DDB-AD69-F7639FDD1767}"/>
+                <a16:creationId xmlns:a16="http://schemas.microsoft.com/office/drawing/2014/main" id="{94911D83-66B1-4727-846E-1374F1EED280}"/>
               </a:ext>
             </a:extLst>
           </p:cNvPr>
@@ -1987,7 +3223,7 @@
           <p:cNvPr id="5" name="投影片編號版面配置區 4">
             <a:extLst>
               <a:ext uri="{FF2B5EF4-FFF2-40B4-BE49-F238E27FC236}">
-                <a16:creationId xmlns:a16="http://schemas.microsoft.com/office/drawing/2014/main" id="{CE9C3C73-9A1B-4A20-B40C-BF8E0726E9AE}"/>
+                <a16:creationId xmlns:a16="http://schemas.microsoft.com/office/drawing/2014/main" id="{489C02FB-A666-4F06-AA7C-839033996593}"/>
               </a:ext>
             </a:extLst>
           </p:cNvPr>
@@ -2003,7 +3239,7 @@
           <a:bodyPr/>
           <a:lstStyle/>
           <a:p>
-            <a:fld id="{E31EC408-072F-4346-BD0A-D6AA5788A305}" type="slidenum">
+            <a:fld id="{34C60A10-36A1-4D7C-B447-2424A4C839BD}" type="slidenum">
               <a:rPr lang="zh-TW" altLang="en-US" smtClean="0"/>
               <a:t>‹#›</a:t>
             </a:fld>
@@ -2014,13 +3250,25 @@
     </p:spTree>
     <p:extLst>
       <p:ext uri="{BB962C8B-B14F-4D97-AF65-F5344CB8AC3E}">
-        <p14:creationId xmlns:p14="http://schemas.microsoft.com/office/powerpoint/2010/main" val="3116621787"/>
+        <p14:creationId xmlns:p14="http://schemas.microsoft.com/office/powerpoint/2010/main" val="1072688070"/>
       </p:ext>
     </p:extLst>
   </p:cSld>
   <p:clrMapOvr>
     <a:masterClrMapping/>
   </p:clrMapOvr>
+  <mc:AlternateContent xmlns:mc="http://schemas.openxmlformats.org/markup-compatibility/2006" xmlns:p159="http://schemas.microsoft.com/office/powerpoint/2015/09/main">
+    <mc:Choice Requires="p159">
+      <p:transition xmlns:p14="http://schemas.microsoft.com/office/powerpoint/2010/main" spd="slow" p14:dur="2000">
+        <p159:morph option="byObject"/>
+      </p:transition>
+    </mc:Choice>
+    <mc:Fallback xmlns="">
+      <p:transition spd="slow">
+        <p:fade/>
+      </p:transition>
+    </mc:Fallback>
+  </mc:AlternateContent>
 </p:sldLayout>
 </file>
 
@@ -2046,7 +3294,7 @@
           <p:cNvPr id="2" name="日期版面配置區 1">
             <a:extLst>
               <a:ext uri="{FF2B5EF4-FFF2-40B4-BE49-F238E27FC236}">
-                <a16:creationId xmlns:a16="http://schemas.microsoft.com/office/drawing/2014/main" id="{1E1D8EED-F2A7-4221-9887-0DBB62EB3F80}"/>
+                <a16:creationId xmlns:a16="http://schemas.microsoft.com/office/drawing/2014/main" id="{E3D27465-A89E-4C7A-9F4A-E1DC6191784E}"/>
               </a:ext>
             </a:extLst>
           </p:cNvPr>
@@ -2062,9 +3310,9 @@
           <a:bodyPr/>
           <a:lstStyle/>
           <a:p>
-            <a:fld id="{C3C90D7E-32D6-4894-AE08-7BBB3E610FC9}" type="datetimeFigureOut">
+            <a:fld id="{DC7431F7-FAF6-4B0F-B41F-D5C1E25B9E8C}" type="datetimeFigureOut">
               <a:rPr lang="zh-TW" altLang="en-US" smtClean="0"/>
-              <a:t>2024/9/16</a:t>
+              <a:t>2024/10/23</a:t>
             </a:fld>
             <a:endParaRPr lang="zh-TW" altLang="en-US"/>
           </a:p>
@@ -2075,7 +3323,7 @@
           <p:cNvPr id="3" name="頁尾版面配置區 2">
             <a:extLst>
               <a:ext uri="{FF2B5EF4-FFF2-40B4-BE49-F238E27FC236}">
-                <a16:creationId xmlns:a16="http://schemas.microsoft.com/office/drawing/2014/main" id="{10593B39-DC86-45A7-85EF-B4DB9C28DC80}"/>
+                <a16:creationId xmlns:a16="http://schemas.microsoft.com/office/drawing/2014/main" id="{72C9D030-BA42-4E4A-A4B1-D3E079118818}"/>
               </a:ext>
             </a:extLst>
           </p:cNvPr>
@@ -2100,7 +3348,7 @@
           <p:cNvPr id="4" name="投影片編號版面配置區 3">
             <a:extLst>
               <a:ext uri="{FF2B5EF4-FFF2-40B4-BE49-F238E27FC236}">
-                <a16:creationId xmlns:a16="http://schemas.microsoft.com/office/drawing/2014/main" id="{3D9056B2-6966-4CAF-94D1-2295A737E168}"/>
+                <a16:creationId xmlns:a16="http://schemas.microsoft.com/office/drawing/2014/main" id="{37081A54-37EF-4353-8CCD-5F76066E889B}"/>
               </a:ext>
             </a:extLst>
           </p:cNvPr>
@@ -2116,7 +3364,7 @@
           <a:bodyPr/>
           <a:lstStyle/>
           <a:p>
-            <a:fld id="{E31EC408-072F-4346-BD0A-D6AA5788A305}" type="slidenum">
+            <a:fld id="{34C60A10-36A1-4D7C-B447-2424A4C839BD}" type="slidenum">
               <a:rPr lang="zh-TW" altLang="en-US" smtClean="0"/>
               <a:t>‹#›</a:t>
             </a:fld>
@@ -2127,13 +3375,25 @@
     </p:spTree>
     <p:extLst>
       <p:ext uri="{BB962C8B-B14F-4D97-AF65-F5344CB8AC3E}">
-        <p14:creationId xmlns:p14="http://schemas.microsoft.com/office/powerpoint/2010/main" val="3887241942"/>
+        <p14:creationId xmlns:p14="http://schemas.microsoft.com/office/powerpoint/2010/main" val="1866675896"/>
       </p:ext>
     </p:extLst>
   </p:cSld>
   <p:clrMapOvr>
     <a:masterClrMapping/>
   </p:clrMapOvr>
+  <mc:AlternateContent xmlns:mc="http://schemas.openxmlformats.org/markup-compatibility/2006" xmlns:p159="http://schemas.microsoft.com/office/powerpoint/2015/09/main">
+    <mc:Choice Requires="p159">
+      <p:transition xmlns:p14="http://schemas.microsoft.com/office/powerpoint/2010/main" spd="slow" p14:dur="2000">
+        <p159:morph option="byObject"/>
+      </p:transition>
+    </mc:Choice>
+    <mc:Fallback xmlns="">
+      <p:transition spd="slow">
+        <p:fade/>
+      </p:transition>
+    </mc:Fallback>
+  </mc:AlternateContent>
 </p:sldLayout>
 </file>
 
@@ -2159,7 +3419,7 @@
           <p:cNvPr id="2" name="標題 1">
             <a:extLst>
               <a:ext uri="{FF2B5EF4-FFF2-40B4-BE49-F238E27FC236}">
-                <a16:creationId xmlns:a16="http://schemas.microsoft.com/office/drawing/2014/main" id="{5C3076DF-D16B-4600-9550-96C6A8DD7F1A}"/>
+                <a16:creationId xmlns:a16="http://schemas.microsoft.com/office/drawing/2014/main" id="{AA840E12-2637-4842-ACA1-CF1050E6DCD8}"/>
               </a:ext>
             </a:extLst>
           </p:cNvPr>
@@ -2196,7 +3456,7 @@
           <p:cNvPr id="3" name="內容版面配置區 2">
             <a:extLst>
               <a:ext uri="{FF2B5EF4-FFF2-40B4-BE49-F238E27FC236}">
-                <a16:creationId xmlns:a16="http://schemas.microsoft.com/office/drawing/2014/main" id="{9CD3D667-FDE5-4F5D-9495-588EC18912CE}"/>
+                <a16:creationId xmlns:a16="http://schemas.microsoft.com/office/drawing/2014/main" id="{492D2500-AFBC-4D98-BD93-AF422B22C77D}"/>
               </a:ext>
             </a:extLst>
           </p:cNvPr>
@@ -2286,7 +3546,7 @@
           <p:cNvPr id="4" name="文字版面配置區 3">
             <a:extLst>
               <a:ext uri="{FF2B5EF4-FFF2-40B4-BE49-F238E27FC236}">
-                <a16:creationId xmlns:a16="http://schemas.microsoft.com/office/drawing/2014/main" id="{22F511E7-BEEF-4F51-BA0E-52C1908D5608}"/>
+                <a16:creationId xmlns:a16="http://schemas.microsoft.com/office/drawing/2014/main" id="{C9A33B96-9CCC-4D92-B380-D2B6D64FE9A5}"/>
               </a:ext>
             </a:extLst>
           </p:cNvPr>
@@ -2357,7 +3617,7 @@
           <p:cNvPr id="5" name="日期版面配置區 4">
             <a:extLst>
               <a:ext uri="{FF2B5EF4-FFF2-40B4-BE49-F238E27FC236}">
-                <a16:creationId xmlns:a16="http://schemas.microsoft.com/office/drawing/2014/main" id="{88060697-A92E-4178-A790-FCBB90D70573}"/>
+                <a16:creationId xmlns:a16="http://schemas.microsoft.com/office/drawing/2014/main" id="{A298E981-38FF-492D-8178-736B38C42B15}"/>
               </a:ext>
             </a:extLst>
           </p:cNvPr>
@@ -2373,9 +3633,9 @@
           <a:bodyPr/>
           <a:lstStyle/>
           <a:p>
-            <a:fld id="{C3C90D7E-32D6-4894-AE08-7BBB3E610FC9}" type="datetimeFigureOut">
+            <a:fld id="{DC7431F7-FAF6-4B0F-B41F-D5C1E25B9E8C}" type="datetimeFigureOut">
               <a:rPr lang="zh-TW" altLang="en-US" smtClean="0"/>
-              <a:t>2024/9/16</a:t>
+              <a:t>2024/10/23</a:t>
             </a:fld>
             <a:endParaRPr lang="zh-TW" altLang="en-US"/>
           </a:p>
@@ -2386,7 +3646,7 @@
           <p:cNvPr id="6" name="頁尾版面配置區 5">
             <a:extLst>
               <a:ext uri="{FF2B5EF4-FFF2-40B4-BE49-F238E27FC236}">
-                <a16:creationId xmlns:a16="http://schemas.microsoft.com/office/drawing/2014/main" id="{2A8E3F57-A99A-4C4C-BF14-EE42AB99CE78}"/>
+                <a16:creationId xmlns:a16="http://schemas.microsoft.com/office/drawing/2014/main" id="{7D1E37BB-1553-4ABA-80F8-B3AA9862EC73}"/>
               </a:ext>
             </a:extLst>
           </p:cNvPr>
@@ -2411,7 +3671,7 @@
           <p:cNvPr id="7" name="投影片編號版面配置區 6">
             <a:extLst>
               <a:ext uri="{FF2B5EF4-FFF2-40B4-BE49-F238E27FC236}">
-                <a16:creationId xmlns:a16="http://schemas.microsoft.com/office/drawing/2014/main" id="{39234440-6924-48D7-AC1A-200D5946BCA9}"/>
+                <a16:creationId xmlns:a16="http://schemas.microsoft.com/office/drawing/2014/main" id="{8EDE00CB-13A8-48D1-B771-C24D717FFC5B}"/>
               </a:ext>
             </a:extLst>
           </p:cNvPr>
@@ -2427,7 +3687,7 @@
           <a:bodyPr/>
           <a:lstStyle/>
           <a:p>
-            <a:fld id="{E31EC408-072F-4346-BD0A-D6AA5788A305}" type="slidenum">
+            <a:fld id="{34C60A10-36A1-4D7C-B447-2424A4C839BD}" type="slidenum">
               <a:rPr lang="zh-TW" altLang="en-US" smtClean="0"/>
               <a:t>‹#›</a:t>
             </a:fld>
@@ -2438,13 +3698,25 @@
     </p:spTree>
     <p:extLst>
       <p:ext uri="{BB962C8B-B14F-4D97-AF65-F5344CB8AC3E}">
-        <p14:creationId xmlns:p14="http://schemas.microsoft.com/office/powerpoint/2010/main" val="2036183199"/>
+        <p14:creationId xmlns:p14="http://schemas.microsoft.com/office/powerpoint/2010/main" val="79491459"/>
       </p:ext>
     </p:extLst>
   </p:cSld>
   <p:clrMapOvr>
     <a:masterClrMapping/>
   </p:clrMapOvr>
+  <mc:AlternateContent xmlns:mc="http://schemas.openxmlformats.org/markup-compatibility/2006" xmlns:p159="http://schemas.microsoft.com/office/powerpoint/2015/09/main">
+    <mc:Choice Requires="p159">
+      <p:transition xmlns:p14="http://schemas.microsoft.com/office/powerpoint/2010/main" spd="slow" p14:dur="2000">
+        <p159:morph option="byObject"/>
+      </p:transition>
+    </mc:Choice>
+    <mc:Fallback xmlns="">
+      <p:transition spd="slow">
+        <p:fade/>
+      </p:transition>
+    </mc:Fallback>
+  </mc:AlternateContent>
 </p:sldLayout>
 </file>
 
@@ -2470,7 +3742,7 @@
           <p:cNvPr id="2" name="標題 1">
             <a:extLst>
               <a:ext uri="{FF2B5EF4-FFF2-40B4-BE49-F238E27FC236}">
-                <a16:creationId xmlns:a16="http://schemas.microsoft.com/office/drawing/2014/main" id="{B2E81694-0B93-4D65-9DA3-21597478A96C}"/>
+                <a16:creationId xmlns:a16="http://schemas.microsoft.com/office/drawing/2014/main" id="{64C56D2D-4F56-4EBE-BA6A-6E2DCA0D97A0}"/>
               </a:ext>
             </a:extLst>
           </p:cNvPr>
@@ -2507,7 +3779,7 @@
           <p:cNvPr id="3" name="圖片版面配置區 2">
             <a:extLst>
               <a:ext uri="{FF2B5EF4-FFF2-40B4-BE49-F238E27FC236}">
-                <a16:creationId xmlns:a16="http://schemas.microsoft.com/office/drawing/2014/main" id="{23E4D718-8CB0-4334-BB8A-FB8B57D7CDC6}"/>
+                <a16:creationId xmlns:a16="http://schemas.microsoft.com/office/drawing/2014/main" id="{516A7752-FA95-4C1D-A3BC-69495E491743}"/>
               </a:ext>
             </a:extLst>
           </p:cNvPr>
@@ -2574,7 +3846,7 @@
           <p:cNvPr id="4" name="文字版面配置區 3">
             <a:extLst>
               <a:ext uri="{FF2B5EF4-FFF2-40B4-BE49-F238E27FC236}">
-                <a16:creationId xmlns:a16="http://schemas.microsoft.com/office/drawing/2014/main" id="{0DC47463-53E7-4FE3-B60B-1657D11127BD}"/>
+                <a16:creationId xmlns:a16="http://schemas.microsoft.com/office/drawing/2014/main" id="{5C2C6FD9-F936-4995-B182-47B54F9175E5}"/>
               </a:ext>
             </a:extLst>
           </p:cNvPr>
@@ -2645,7 +3917,7 @@
           <p:cNvPr id="5" name="日期版面配置區 4">
             <a:extLst>
               <a:ext uri="{FF2B5EF4-FFF2-40B4-BE49-F238E27FC236}">
-                <a16:creationId xmlns:a16="http://schemas.microsoft.com/office/drawing/2014/main" id="{28875DC5-6AFF-40C0-8C77-F81A0A3E1B0F}"/>
+                <a16:creationId xmlns:a16="http://schemas.microsoft.com/office/drawing/2014/main" id="{2A3511E8-DE7B-4FEB-9829-B655C166D5DF}"/>
               </a:ext>
             </a:extLst>
           </p:cNvPr>
@@ -2661,9 +3933,9 @@
           <a:bodyPr/>
           <a:lstStyle/>
           <a:p>
-            <a:fld id="{C3C90D7E-32D6-4894-AE08-7BBB3E610FC9}" type="datetimeFigureOut">
+            <a:fld id="{DC7431F7-FAF6-4B0F-B41F-D5C1E25B9E8C}" type="datetimeFigureOut">
               <a:rPr lang="zh-TW" altLang="en-US" smtClean="0"/>
-              <a:t>2024/9/16</a:t>
+              <a:t>2024/10/23</a:t>
             </a:fld>
             <a:endParaRPr lang="zh-TW" altLang="en-US"/>
           </a:p>
@@ -2674,7 +3946,7 @@
           <p:cNvPr id="6" name="頁尾版面配置區 5">
             <a:extLst>
               <a:ext uri="{FF2B5EF4-FFF2-40B4-BE49-F238E27FC236}">
-                <a16:creationId xmlns:a16="http://schemas.microsoft.com/office/drawing/2014/main" id="{24F8A973-6D07-4F0C-97A0-280FEFC238E0}"/>
+                <a16:creationId xmlns:a16="http://schemas.microsoft.com/office/drawing/2014/main" id="{E98D0C30-464C-42FA-9879-9ABB9267D956}"/>
               </a:ext>
             </a:extLst>
           </p:cNvPr>
@@ -2699,7 +3971,7 @@
           <p:cNvPr id="7" name="投影片編號版面配置區 6">
             <a:extLst>
               <a:ext uri="{FF2B5EF4-FFF2-40B4-BE49-F238E27FC236}">
-                <a16:creationId xmlns:a16="http://schemas.microsoft.com/office/drawing/2014/main" id="{DB60BB1E-F41B-40F0-929B-5208374980BF}"/>
+                <a16:creationId xmlns:a16="http://schemas.microsoft.com/office/drawing/2014/main" id="{C5DD7A4A-1D45-4681-B531-F9512030DBFD}"/>
               </a:ext>
             </a:extLst>
           </p:cNvPr>
@@ -2715,7 +3987,7 @@
           <a:bodyPr/>
           <a:lstStyle/>
           <a:p>
-            <a:fld id="{E31EC408-072F-4346-BD0A-D6AA5788A305}" type="slidenum">
+            <a:fld id="{34C60A10-36A1-4D7C-B447-2424A4C839BD}" type="slidenum">
               <a:rPr lang="zh-TW" altLang="en-US" smtClean="0"/>
               <a:t>‹#›</a:t>
             </a:fld>
@@ -2726,13 +3998,25 @@
     </p:spTree>
     <p:extLst>
       <p:ext uri="{BB962C8B-B14F-4D97-AF65-F5344CB8AC3E}">
-        <p14:creationId xmlns:p14="http://schemas.microsoft.com/office/powerpoint/2010/main" val="3148270851"/>
+        <p14:creationId xmlns:p14="http://schemas.microsoft.com/office/powerpoint/2010/main" val="734144668"/>
       </p:ext>
     </p:extLst>
   </p:cSld>
   <p:clrMapOvr>
     <a:masterClrMapping/>
   </p:clrMapOvr>
+  <mc:AlternateContent xmlns:mc="http://schemas.openxmlformats.org/markup-compatibility/2006" xmlns:p159="http://schemas.microsoft.com/office/powerpoint/2015/09/main">
+    <mc:Choice Requires="p159">
+      <p:transition xmlns:p14="http://schemas.microsoft.com/office/powerpoint/2010/main" spd="slow" p14:dur="2000">
+        <p159:morph option="byObject"/>
+      </p:transition>
+    </mc:Choice>
+    <mc:Fallback xmlns="">
+      <p:transition spd="slow">
+        <p:fade/>
+      </p:transition>
+    </mc:Fallback>
+  </mc:AlternateContent>
 </p:sldLayout>
 </file>
 
@@ -2740,9 +4024,15 @@
 <p:sldMaster xmlns:a="http://schemas.openxmlformats.org/drawingml/2006/main" xmlns:r="http://schemas.openxmlformats.org/officeDocument/2006/relationships" xmlns:p="http://schemas.openxmlformats.org/presentationml/2006/main">
   <p:cSld>
     <p:bg>
-      <p:bgRef idx="1001">
-        <a:schemeClr val="bg1"/>
-      </p:bgRef>
+      <p:bgPr>
+        <a:solidFill>
+          <a:schemeClr val="accent3">
+            <a:lumMod val="60000"/>
+            <a:lumOff val="40000"/>
+          </a:schemeClr>
+        </a:solidFill>
+        <a:effectLst/>
+      </p:bgPr>
     </p:bg>
     <p:spTree>
       <p:nvGrpSpPr>
@@ -2763,7 +4053,7 @@
           <p:cNvPr id="2" name="標題版面配置區 1">
             <a:extLst>
               <a:ext uri="{FF2B5EF4-FFF2-40B4-BE49-F238E27FC236}">
-                <a16:creationId xmlns:a16="http://schemas.microsoft.com/office/drawing/2014/main" id="{B8575AAC-624C-4B52-ABD4-699B1E35D2CF}"/>
+                <a16:creationId xmlns:a16="http://schemas.microsoft.com/office/drawing/2014/main" id="{4A4F77A1-ED6C-4FA5-918F-F69A35BF32B8}"/>
               </a:ext>
             </a:extLst>
           </p:cNvPr>
@@ -2801,7 +4091,7 @@
           <p:cNvPr id="3" name="文字版面配置區 2">
             <a:extLst>
               <a:ext uri="{FF2B5EF4-FFF2-40B4-BE49-F238E27FC236}">
-                <a16:creationId xmlns:a16="http://schemas.microsoft.com/office/drawing/2014/main" id="{76722991-C57D-471F-8271-C419A1CFB074}"/>
+                <a16:creationId xmlns:a16="http://schemas.microsoft.com/office/drawing/2014/main" id="{87A8D1A5-56DC-41B0-B707-1E56201F7354}"/>
               </a:ext>
             </a:extLst>
           </p:cNvPr>
@@ -2868,7 +4158,7 @@
           <p:cNvPr id="4" name="日期版面配置區 3">
             <a:extLst>
               <a:ext uri="{FF2B5EF4-FFF2-40B4-BE49-F238E27FC236}">
-                <a16:creationId xmlns:a16="http://schemas.microsoft.com/office/drawing/2014/main" id="{85C839DD-8CBF-4E23-A0C7-7C039E950BB8}"/>
+                <a16:creationId xmlns:a16="http://schemas.microsoft.com/office/drawing/2014/main" id="{0AED7092-7985-4673-ADEB-B7D7418B3FC4}"/>
               </a:ext>
             </a:extLst>
           </p:cNvPr>
@@ -2902,9 +4192,9 @@
             </a:lvl1pPr>
           </a:lstStyle>
           <a:p>
-            <a:fld id="{C3C90D7E-32D6-4894-AE08-7BBB3E610FC9}" type="datetimeFigureOut">
+            <a:fld id="{DC7431F7-FAF6-4B0F-B41F-D5C1E25B9E8C}" type="datetimeFigureOut">
               <a:rPr lang="zh-TW" altLang="en-US" smtClean="0"/>
-              <a:t>2024/9/16</a:t>
+              <a:t>2024/10/23</a:t>
             </a:fld>
             <a:endParaRPr lang="zh-TW" altLang="en-US"/>
           </a:p>
@@ -2915,7 +4205,7 @@
           <p:cNvPr id="5" name="頁尾版面配置區 4">
             <a:extLst>
               <a:ext uri="{FF2B5EF4-FFF2-40B4-BE49-F238E27FC236}">
-                <a16:creationId xmlns:a16="http://schemas.microsoft.com/office/drawing/2014/main" id="{12802D8A-77D4-418C-8190-43B6ADED2131}"/>
+                <a16:creationId xmlns:a16="http://schemas.microsoft.com/office/drawing/2014/main" id="{DC9233BA-F5A0-4596-9D7E-48C9ADD4E3F4}"/>
               </a:ext>
             </a:extLst>
           </p:cNvPr>
@@ -2958,7 +4248,7 @@
           <p:cNvPr id="6" name="投影片編號版面配置區 5">
             <a:extLst>
               <a:ext uri="{FF2B5EF4-FFF2-40B4-BE49-F238E27FC236}">
-                <a16:creationId xmlns:a16="http://schemas.microsoft.com/office/drawing/2014/main" id="{7072B55E-2BE2-4AF4-AFF8-2A716F492F1C}"/>
+                <a16:creationId xmlns:a16="http://schemas.microsoft.com/office/drawing/2014/main" id="{CC70332B-6859-400C-853F-AA3E4FDD7F65}"/>
               </a:ext>
             </a:extLst>
           </p:cNvPr>
@@ -2992,7 +4282,7 @@
             </a:lvl1pPr>
           </a:lstStyle>
           <a:p>
-            <a:fld id="{E31EC408-072F-4346-BD0A-D6AA5788A305}" type="slidenum">
+            <a:fld id="{34C60A10-36A1-4D7C-B447-2424A4C839BD}" type="slidenum">
               <a:rPr lang="zh-TW" altLang="en-US" smtClean="0"/>
               <a:t>‹#›</a:t>
             </a:fld>
@@ -3003,7 +4293,7 @@
     </p:spTree>
     <p:extLst>
       <p:ext uri="{BB962C8B-B14F-4D97-AF65-F5344CB8AC3E}">
-        <p14:creationId xmlns:p14="http://schemas.microsoft.com/office/powerpoint/2010/main" val="2016052060"/>
+        <p14:creationId xmlns:p14="http://schemas.microsoft.com/office/powerpoint/2010/main" val="2519326855"/>
       </p:ext>
     </p:extLst>
   </p:cSld>
@@ -3021,6 +4311,18 @@
     <p:sldLayoutId id="2147483658" r:id="rId10"/>
     <p:sldLayoutId id="2147483659" r:id="rId11"/>
   </p:sldLayoutIdLst>
+  <mc:AlternateContent xmlns:mc="http://schemas.openxmlformats.org/markup-compatibility/2006" xmlns:p159="http://schemas.microsoft.com/office/powerpoint/2015/09/main">
+    <mc:Choice Requires="p159">
+      <p:transition xmlns:p14="http://schemas.microsoft.com/office/powerpoint/2010/main" spd="slow" p14:dur="2000">
+        <p159:morph option="byObject"/>
+      </p:transition>
+    </mc:Choice>
+    <mc:Fallback xmlns="">
+      <p:transition spd="slow">
+        <p:fade/>
+      </p:transition>
+    </mc:Fallback>
+  </mc:AlternateContent>
   <p:txStyles>
     <p:titleStyle>
       <a:lvl1pPr algn="l" defTabSz="914400" rtl="0" eaLnBrk="1" latinLnBrk="0" hangingPunct="1">
@@ -3326,7 +4628,7 @@
           <p:cNvPr id="2" name="標題 1">
             <a:extLst>
               <a:ext uri="{FF2B5EF4-FFF2-40B4-BE49-F238E27FC236}">
-                <a16:creationId xmlns:a16="http://schemas.microsoft.com/office/drawing/2014/main" id="{32532283-9F93-4E44-8138-32796965361F}"/>
+                <a16:creationId xmlns:a16="http://schemas.microsoft.com/office/drawing/2014/main" id="{A41431B8-EBB7-4605-8CD5-4DA4B6CE0AD1}"/>
               </a:ext>
             </a:extLst>
           </p:cNvPr>
@@ -3337,50 +4639,591 @@
             <p:ph type="ctrTitle"/>
           </p:nvPr>
         </p:nvSpPr>
-        <p:spPr/>
-        <p:txBody>
-          <a:bodyPr/>
-          <a:lstStyle/>
-          <a:p>
-            <a:endParaRPr lang="zh-TW" altLang="en-US"/>
-          </a:p>
-        </p:txBody>
-      </p:sp>
-      <p:sp>
-        <p:nvSpPr>
-          <p:cNvPr id="3" name="副標題 2">
-            <a:extLst>
-              <a:ext uri="{FF2B5EF4-FFF2-40B4-BE49-F238E27FC236}">
-                <a16:creationId xmlns:a16="http://schemas.microsoft.com/office/drawing/2014/main" id="{8C946F38-524D-4B98-B9CB-80AEE57E455A}"/>
-              </a:ext>
-            </a:extLst>
-          </p:cNvPr>
-          <p:cNvSpPr>
-            <a:spLocks noGrp="1"/>
-          </p:cNvSpPr>
-          <p:nvPr>
-            <p:ph type="subTitle" idx="1"/>
-          </p:nvPr>
-        </p:nvSpPr>
-        <p:spPr/>
-        <p:txBody>
-          <a:bodyPr/>
-          <a:lstStyle/>
-          <a:p>
-            <a:endParaRPr lang="zh-TW" altLang="en-US"/>
+        <p:spPr>
+          <a:xfrm>
+            <a:off x="1117600" y="1721077"/>
+            <a:ext cx="3802743" cy="1112837"/>
+          </a:xfrm>
+        </p:spPr>
+        <p:txBody>
+          <a:bodyPr/>
+          <a:lstStyle/>
+          <a:p>
+            <a:r>
+              <a:rPr lang="zh-TW" altLang="en-US" dirty="0"/>
+              <a:t>冒險故事</a:t>
+            </a:r>
           </a:p>
         </p:txBody>
       </p:sp>
     </p:spTree>
     <p:extLst>
       <p:ext uri="{BB962C8B-B14F-4D97-AF65-F5344CB8AC3E}">
-        <p14:creationId xmlns:p14="http://schemas.microsoft.com/office/powerpoint/2010/main" val="1328321055"/>
+        <p14:creationId xmlns:p14="http://schemas.microsoft.com/office/powerpoint/2010/main" val="3471735928"/>
       </p:ext>
     </p:extLst>
   </p:cSld>
   <p:clrMapOvr>
     <a:masterClrMapping/>
   </p:clrMapOvr>
+  <mc:AlternateContent xmlns:mc="http://schemas.openxmlformats.org/markup-compatibility/2006" xmlns:p159="http://schemas.microsoft.com/office/powerpoint/2015/09/main">
+    <mc:Choice Requires="p159">
+      <p:transition xmlns:p14="http://schemas.microsoft.com/office/powerpoint/2010/main" spd="slow" p14:dur="2000">
+        <p159:morph option="byObject"/>
+      </p:transition>
+    </mc:Choice>
+    <mc:Fallback xmlns="">
+      <p:transition spd="slow">
+        <p:fade/>
+      </p:transition>
+    </mc:Fallback>
+  </mc:AlternateContent>
+</p:sld>
+</file>
+
+<file path=ppt/slides/slide2.xml><?xml version="1.0" encoding="utf-8"?>
+<p:sld xmlns:a="http://schemas.openxmlformats.org/drawingml/2006/main" xmlns:r="http://schemas.openxmlformats.org/officeDocument/2006/relationships" xmlns:p="http://schemas.openxmlformats.org/presentationml/2006/main">
+  <p:cSld>
+    <p:spTree>
+      <p:nvGrpSpPr>
+        <p:cNvPr id="1" name=""/>
+        <p:cNvGrpSpPr/>
+        <p:nvPr/>
+      </p:nvGrpSpPr>
+      <p:grpSpPr>
+        <a:xfrm>
+          <a:off x="0" y="0"/>
+          <a:ext cx="0" cy="0"/>
+          <a:chOff x="0" y="0"/>
+          <a:chExt cx="0" cy="0"/>
+        </a:xfrm>
+      </p:grpSpPr>
+      <p:pic>
+        <p:nvPicPr>
+          <p:cNvPr id="5" name="圖片 4">
+            <a:extLst>
+              <a:ext uri="{FF2B5EF4-FFF2-40B4-BE49-F238E27FC236}">
+                <a16:creationId xmlns:a16="http://schemas.microsoft.com/office/drawing/2014/main" id="{D7A08FB5-5202-4CDE-9E95-630405510B84}"/>
+              </a:ext>
+            </a:extLst>
+          </p:cNvPr>
+          <p:cNvPicPr>
+            <a:picLocks noChangeAspect="1"/>
+          </p:cNvPicPr>
+          <p:nvPr/>
+        </p:nvPicPr>
+        <p:blipFill>
+          <a:blip r:embed="rId3">
+            <a:extLst>
+              <a:ext uri="{28A0092B-C50C-407E-A947-70E740481C1C}">
+                <a14:useLocalDpi xmlns:a14="http://schemas.microsoft.com/office/drawing/2010/main" val="0"/>
+              </a:ext>
+            </a:extLst>
+          </a:blip>
+          <a:stretch>
+            <a:fillRect/>
+          </a:stretch>
+        </p:blipFill>
+        <p:spPr>
+          <a:xfrm>
+            <a:off x="0" y="0"/>
+            <a:ext cx="6858000" cy="6858000"/>
+          </a:xfrm>
+          <a:prstGeom prst="rect">
+            <a:avLst/>
+          </a:prstGeom>
+        </p:spPr>
+      </p:pic>
+    </p:spTree>
+    <p:extLst>
+      <p:ext uri="{BB962C8B-B14F-4D97-AF65-F5344CB8AC3E}">
+        <p14:creationId xmlns:p14="http://schemas.microsoft.com/office/powerpoint/2010/main" val="1519928776"/>
+      </p:ext>
+    </p:extLst>
+  </p:cSld>
+  <p:clrMapOvr>
+    <a:masterClrMapping/>
+  </p:clrMapOvr>
+  <mc:AlternateContent xmlns:mc="http://schemas.openxmlformats.org/markup-compatibility/2006" xmlns:p159="http://schemas.microsoft.com/office/powerpoint/2015/09/main">
+    <mc:Choice Requires="p159">
+      <p:transition xmlns:p14="http://schemas.microsoft.com/office/powerpoint/2010/main" spd="slow" p14:dur="2000">
+        <p159:morph option="byObject"/>
+      </p:transition>
+    </mc:Choice>
+    <mc:Fallback xmlns="">
+      <p:transition spd="slow">
+        <p:fade/>
+      </p:transition>
+    </mc:Fallback>
+  </mc:AlternateContent>
+</p:sld>
+</file>
+
+<file path=ppt/slides/slide3.xml><?xml version="1.0" encoding="utf-8"?>
+<p:sld xmlns:a="http://schemas.openxmlformats.org/drawingml/2006/main" xmlns:r="http://schemas.openxmlformats.org/officeDocument/2006/relationships" xmlns:p="http://schemas.openxmlformats.org/presentationml/2006/main">
+  <p:cSld>
+    <p:spTree>
+      <p:nvGrpSpPr>
+        <p:cNvPr id="1" name=""/>
+        <p:cNvGrpSpPr/>
+        <p:nvPr/>
+      </p:nvGrpSpPr>
+      <p:grpSpPr>
+        <a:xfrm>
+          <a:off x="0" y="0"/>
+          <a:ext cx="0" cy="0"/>
+          <a:chOff x="0" y="0"/>
+          <a:chExt cx="0" cy="0"/>
+        </a:xfrm>
+      </p:grpSpPr>
+      <p:pic>
+        <p:nvPicPr>
+          <p:cNvPr id="3" name="圖片 2">
+            <a:extLst>
+              <a:ext uri="{FF2B5EF4-FFF2-40B4-BE49-F238E27FC236}">
+                <a16:creationId xmlns:a16="http://schemas.microsoft.com/office/drawing/2014/main" id="{DA5DDD67-B5F6-4C99-B7F9-688DD41DC1C6}"/>
+              </a:ext>
+            </a:extLst>
+          </p:cNvPr>
+          <p:cNvPicPr>
+            <a:picLocks noChangeAspect="1"/>
+          </p:cNvPicPr>
+          <p:nvPr/>
+        </p:nvPicPr>
+        <p:blipFill>
+          <a:blip r:embed="rId3">
+            <a:extLst>
+              <a:ext uri="{28A0092B-C50C-407E-A947-70E740481C1C}">
+                <a14:useLocalDpi xmlns:a14="http://schemas.microsoft.com/office/drawing/2010/main" val="0"/>
+              </a:ext>
+            </a:extLst>
+          </a:blip>
+          <a:stretch>
+            <a:fillRect/>
+          </a:stretch>
+        </p:blipFill>
+        <p:spPr>
+          <a:xfrm>
+            <a:off x="0" y="-133350"/>
+            <a:ext cx="6858000" cy="6858000"/>
+          </a:xfrm>
+          <a:prstGeom prst="rect">
+            <a:avLst/>
+          </a:prstGeom>
+        </p:spPr>
+      </p:pic>
+    </p:spTree>
+    <p:extLst>
+      <p:ext uri="{BB962C8B-B14F-4D97-AF65-F5344CB8AC3E}">
+        <p14:creationId xmlns:p14="http://schemas.microsoft.com/office/powerpoint/2010/main" val="855769061"/>
+      </p:ext>
+    </p:extLst>
+  </p:cSld>
+  <p:clrMapOvr>
+    <a:masterClrMapping/>
+  </p:clrMapOvr>
+  <mc:AlternateContent xmlns:mc="http://schemas.openxmlformats.org/markup-compatibility/2006" xmlns:p159="http://schemas.microsoft.com/office/powerpoint/2015/09/main">
+    <mc:Choice Requires="p159">
+      <p:transition xmlns:p14="http://schemas.microsoft.com/office/powerpoint/2010/main" spd="slow" p14:dur="2000">
+        <p159:morph option="byObject"/>
+      </p:transition>
+    </mc:Choice>
+    <mc:Fallback xmlns="">
+      <p:transition spd="slow">
+        <p:fade/>
+      </p:transition>
+    </mc:Fallback>
+  </mc:AlternateContent>
+</p:sld>
+</file>
+
+<file path=ppt/slides/slide4.xml><?xml version="1.0" encoding="utf-8"?>
+<p:sld xmlns:a="http://schemas.openxmlformats.org/drawingml/2006/main" xmlns:r="http://schemas.openxmlformats.org/officeDocument/2006/relationships" xmlns:p="http://schemas.openxmlformats.org/presentationml/2006/main">
+  <p:cSld>
+    <p:spTree>
+      <p:nvGrpSpPr>
+        <p:cNvPr id="1" name=""/>
+        <p:cNvGrpSpPr/>
+        <p:nvPr/>
+      </p:nvGrpSpPr>
+      <p:grpSpPr>
+        <a:xfrm>
+          <a:off x="0" y="0"/>
+          <a:ext cx="0" cy="0"/>
+          <a:chOff x="0" y="0"/>
+          <a:chExt cx="0" cy="0"/>
+        </a:xfrm>
+      </p:grpSpPr>
+      <p:pic>
+        <p:nvPicPr>
+          <p:cNvPr id="3" name="圖片 2">
+            <a:extLst>
+              <a:ext uri="{FF2B5EF4-FFF2-40B4-BE49-F238E27FC236}">
+                <a16:creationId xmlns:a16="http://schemas.microsoft.com/office/drawing/2014/main" id="{B69CA210-3778-4BBA-9FEA-61E8A9136FCF}"/>
+              </a:ext>
+            </a:extLst>
+          </p:cNvPr>
+          <p:cNvPicPr>
+            <a:picLocks noChangeAspect="1"/>
+          </p:cNvPicPr>
+          <p:nvPr/>
+        </p:nvPicPr>
+        <p:blipFill>
+          <a:blip r:embed="rId3">
+            <a:extLst>
+              <a:ext uri="{28A0092B-C50C-407E-A947-70E740481C1C}">
+                <a14:useLocalDpi xmlns:a14="http://schemas.microsoft.com/office/drawing/2010/main" val="0"/>
+              </a:ext>
+            </a:extLst>
+          </a:blip>
+          <a:stretch>
+            <a:fillRect/>
+          </a:stretch>
+        </p:blipFill>
+        <p:spPr>
+          <a:xfrm>
+            <a:off x="0" y="0"/>
+            <a:ext cx="6858000" cy="6858000"/>
+          </a:xfrm>
+          <a:prstGeom prst="rect">
+            <a:avLst/>
+          </a:prstGeom>
+        </p:spPr>
+      </p:pic>
+    </p:spTree>
+    <p:extLst>
+      <p:ext uri="{BB962C8B-B14F-4D97-AF65-F5344CB8AC3E}">
+        <p14:creationId xmlns:p14="http://schemas.microsoft.com/office/powerpoint/2010/main" val="1056166070"/>
+      </p:ext>
+    </p:extLst>
+  </p:cSld>
+  <p:clrMapOvr>
+    <a:masterClrMapping/>
+  </p:clrMapOvr>
+  <mc:AlternateContent xmlns:mc="http://schemas.openxmlformats.org/markup-compatibility/2006" xmlns:p159="http://schemas.microsoft.com/office/powerpoint/2015/09/main">
+    <mc:Choice Requires="p159">
+      <p:transition xmlns:p14="http://schemas.microsoft.com/office/powerpoint/2010/main" spd="slow" p14:dur="2000">
+        <p159:morph option="byObject"/>
+      </p:transition>
+    </mc:Choice>
+    <mc:Fallback xmlns="">
+      <p:transition spd="slow">
+        <p:fade/>
+      </p:transition>
+    </mc:Fallback>
+  </mc:AlternateContent>
+</p:sld>
+</file>
+
+<file path=ppt/slides/slide5.xml><?xml version="1.0" encoding="utf-8"?>
+<p:sld xmlns:a="http://schemas.openxmlformats.org/drawingml/2006/main" xmlns:r="http://schemas.openxmlformats.org/officeDocument/2006/relationships" xmlns:p="http://schemas.openxmlformats.org/presentationml/2006/main">
+  <p:cSld>
+    <p:spTree>
+      <p:nvGrpSpPr>
+        <p:cNvPr id="1" name=""/>
+        <p:cNvGrpSpPr/>
+        <p:nvPr/>
+      </p:nvGrpSpPr>
+      <p:grpSpPr>
+        <a:xfrm>
+          <a:off x="0" y="0"/>
+          <a:ext cx="0" cy="0"/>
+          <a:chOff x="0" y="0"/>
+          <a:chExt cx="0" cy="0"/>
+        </a:xfrm>
+      </p:grpSpPr>
+      <p:pic>
+        <p:nvPicPr>
+          <p:cNvPr id="3" name="圖片 2">
+            <a:extLst>
+              <a:ext uri="{FF2B5EF4-FFF2-40B4-BE49-F238E27FC236}">
+                <a16:creationId xmlns:a16="http://schemas.microsoft.com/office/drawing/2014/main" id="{3E616150-2329-4E6E-A2AD-42148CBBF946}"/>
+              </a:ext>
+            </a:extLst>
+          </p:cNvPr>
+          <p:cNvPicPr>
+            <a:picLocks noChangeAspect="1"/>
+          </p:cNvPicPr>
+          <p:nvPr/>
+        </p:nvPicPr>
+        <p:blipFill>
+          <a:blip r:embed="rId3">
+            <a:extLst>
+              <a:ext uri="{28A0092B-C50C-407E-A947-70E740481C1C}">
+                <a14:useLocalDpi xmlns:a14="http://schemas.microsoft.com/office/drawing/2010/main" val="0"/>
+              </a:ext>
+            </a:extLst>
+          </a:blip>
+          <a:stretch>
+            <a:fillRect/>
+          </a:stretch>
+        </p:blipFill>
+        <p:spPr>
+          <a:xfrm>
+            <a:off x="0" y="0"/>
+            <a:ext cx="6858000" cy="6858000"/>
+          </a:xfrm>
+          <a:prstGeom prst="rect">
+            <a:avLst/>
+          </a:prstGeom>
+        </p:spPr>
+      </p:pic>
+    </p:spTree>
+    <p:extLst>
+      <p:ext uri="{BB962C8B-B14F-4D97-AF65-F5344CB8AC3E}">
+        <p14:creationId xmlns:p14="http://schemas.microsoft.com/office/powerpoint/2010/main" val="3180462809"/>
+      </p:ext>
+    </p:extLst>
+  </p:cSld>
+  <p:clrMapOvr>
+    <a:masterClrMapping/>
+  </p:clrMapOvr>
+  <mc:AlternateContent xmlns:mc="http://schemas.openxmlformats.org/markup-compatibility/2006" xmlns:p159="http://schemas.microsoft.com/office/powerpoint/2015/09/main">
+    <mc:Choice Requires="p159">
+      <p:transition xmlns:p14="http://schemas.microsoft.com/office/powerpoint/2010/main" spd="slow" p14:dur="2000">
+        <p159:morph option="byObject"/>
+      </p:transition>
+    </mc:Choice>
+    <mc:Fallback xmlns="">
+      <p:transition spd="slow">
+        <p:fade/>
+      </p:transition>
+    </mc:Fallback>
+  </mc:AlternateContent>
+</p:sld>
+</file>
+
+<file path=ppt/slides/slide6.xml><?xml version="1.0" encoding="utf-8"?>
+<p:sld xmlns:a="http://schemas.openxmlformats.org/drawingml/2006/main" xmlns:r="http://schemas.openxmlformats.org/officeDocument/2006/relationships" xmlns:p="http://schemas.openxmlformats.org/presentationml/2006/main">
+  <p:cSld>
+    <p:spTree>
+      <p:nvGrpSpPr>
+        <p:cNvPr id="1" name=""/>
+        <p:cNvGrpSpPr/>
+        <p:nvPr/>
+      </p:nvGrpSpPr>
+      <p:grpSpPr>
+        <a:xfrm>
+          <a:off x="0" y="0"/>
+          <a:ext cx="0" cy="0"/>
+          <a:chOff x="0" y="0"/>
+          <a:chExt cx="0" cy="0"/>
+        </a:xfrm>
+      </p:grpSpPr>
+      <p:pic>
+        <p:nvPicPr>
+          <p:cNvPr id="3" name="圖片 2">
+            <a:extLst>
+              <a:ext uri="{FF2B5EF4-FFF2-40B4-BE49-F238E27FC236}">
+                <a16:creationId xmlns:a16="http://schemas.microsoft.com/office/drawing/2014/main" id="{10EA98E3-AA05-42C4-B6F9-4FA99C535266}"/>
+              </a:ext>
+            </a:extLst>
+          </p:cNvPr>
+          <p:cNvPicPr>
+            <a:picLocks noChangeAspect="1"/>
+          </p:cNvPicPr>
+          <p:nvPr/>
+        </p:nvPicPr>
+        <p:blipFill>
+          <a:blip r:embed="rId3">
+            <a:extLst>
+              <a:ext uri="{28A0092B-C50C-407E-A947-70E740481C1C}">
+                <a14:useLocalDpi xmlns:a14="http://schemas.microsoft.com/office/drawing/2010/main" val="0"/>
+              </a:ext>
+            </a:extLst>
+          </a:blip>
+          <a:stretch>
+            <a:fillRect/>
+          </a:stretch>
+        </p:blipFill>
+        <p:spPr>
+          <a:xfrm>
+            <a:off x="0" y="0"/>
+            <a:ext cx="6858000" cy="6858000"/>
+          </a:xfrm>
+          <a:prstGeom prst="rect">
+            <a:avLst/>
+          </a:prstGeom>
+        </p:spPr>
+      </p:pic>
+    </p:spTree>
+    <p:extLst>
+      <p:ext uri="{BB962C8B-B14F-4D97-AF65-F5344CB8AC3E}">
+        <p14:creationId xmlns:p14="http://schemas.microsoft.com/office/powerpoint/2010/main" val="3651707467"/>
+      </p:ext>
+    </p:extLst>
+  </p:cSld>
+  <p:clrMapOvr>
+    <a:masterClrMapping/>
+  </p:clrMapOvr>
+  <mc:AlternateContent xmlns:mc="http://schemas.openxmlformats.org/markup-compatibility/2006" xmlns:p159="http://schemas.microsoft.com/office/powerpoint/2015/09/main">
+    <mc:Choice Requires="p159">
+      <p:transition xmlns:p14="http://schemas.microsoft.com/office/powerpoint/2010/main" spd="slow" p14:dur="2000">
+        <p159:morph option="byObject"/>
+      </p:transition>
+    </mc:Choice>
+    <mc:Fallback xmlns="">
+      <p:transition spd="slow">
+        <p:fade/>
+      </p:transition>
+    </mc:Fallback>
+  </mc:AlternateContent>
+</p:sld>
+</file>
+
+<file path=ppt/slides/slide7.xml><?xml version="1.0" encoding="utf-8"?>
+<p:sld xmlns:a="http://schemas.openxmlformats.org/drawingml/2006/main" xmlns:r="http://schemas.openxmlformats.org/officeDocument/2006/relationships" xmlns:p="http://schemas.openxmlformats.org/presentationml/2006/main">
+  <p:cSld>
+    <p:spTree>
+      <p:nvGrpSpPr>
+        <p:cNvPr id="1" name=""/>
+        <p:cNvGrpSpPr/>
+        <p:nvPr/>
+      </p:nvGrpSpPr>
+      <p:grpSpPr>
+        <a:xfrm>
+          <a:off x="0" y="0"/>
+          <a:ext cx="0" cy="0"/>
+          <a:chOff x="0" y="0"/>
+          <a:chExt cx="0" cy="0"/>
+        </a:xfrm>
+      </p:grpSpPr>
+      <p:pic>
+        <p:nvPicPr>
+          <p:cNvPr id="3" name="圖片 2">
+            <a:extLst>
+              <a:ext uri="{FF2B5EF4-FFF2-40B4-BE49-F238E27FC236}">
+                <a16:creationId xmlns:a16="http://schemas.microsoft.com/office/drawing/2014/main" id="{7AA1FA60-F6EE-41DD-980D-43B1C733921D}"/>
+              </a:ext>
+            </a:extLst>
+          </p:cNvPr>
+          <p:cNvPicPr>
+            <a:picLocks noChangeAspect="1"/>
+          </p:cNvPicPr>
+          <p:nvPr/>
+        </p:nvPicPr>
+        <p:blipFill>
+          <a:blip r:embed="rId3">
+            <a:extLst>
+              <a:ext uri="{28A0092B-C50C-407E-A947-70E740481C1C}">
+                <a14:useLocalDpi xmlns:a14="http://schemas.microsoft.com/office/drawing/2010/main" val="0"/>
+              </a:ext>
+            </a:extLst>
+          </a:blip>
+          <a:stretch>
+            <a:fillRect/>
+          </a:stretch>
+        </p:blipFill>
+        <p:spPr>
+          <a:xfrm>
+            <a:off x="0" y="0"/>
+            <a:ext cx="6858000" cy="6858000"/>
+          </a:xfrm>
+          <a:prstGeom prst="rect">
+            <a:avLst/>
+          </a:prstGeom>
+        </p:spPr>
+      </p:pic>
+    </p:spTree>
+    <p:extLst>
+      <p:ext uri="{BB962C8B-B14F-4D97-AF65-F5344CB8AC3E}">
+        <p14:creationId xmlns:p14="http://schemas.microsoft.com/office/powerpoint/2010/main" val="533449"/>
+      </p:ext>
+    </p:extLst>
+  </p:cSld>
+  <p:clrMapOvr>
+    <a:masterClrMapping/>
+  </p:clrMapOvr>
+  <mc:AlternateContent xmlns:mc="http://schemas.openxmlformats.org/markup-compatibility/2006" xmlns:p159="http://schemas.microsoft.com/office/powerpoint/2015/09/main">
+    <mc:Choice Requires="p159">
+      <p:transition xmlns:p14="http://schemas.microsoft.com/office/powerpoint/2010/main" spd="slow" p14:dur="2000">
+        <p159:morph option="byObject"/>
+      </p:transition>
+    </mc:Choice>
+    <mc:Fallback xmlns="">
+      <p:transition spd="slow">
+        <p:fade/>
+      </p:transition>
+    </mc:Fallback>
+  </mc:AlternateContent>
+</p:sld>
+</file>
+
+<file path=ppt/slides/slide8.xml><?xml version="1.0" encoding="utf-8"?>
+<p:sld xmlns:a="http://schemas.openxmlformats.org/drawingml/2006/main" xmlns:r="http://schemas.openxmlformats.org/officeDocument/2006/relationships" xmlns:p="http://schemas.openxmlformats.org/presentationml/2006/main">
+  <p:cSld>
+    <p:spTree>
+      <p:nvGrpSpPr>
+        <p:cNvPr id="1" name=""/>
+        <p:cNvGrpSpPr/>
+        <p:nvPr/>
+      </p:nvGrpSpPr>
+      <p:grpSpPr>
+        <a:xfrm>
+          <a:off x="0" y="0"/>
+          <a:ext cx="0" cy="0"/>
+          <a:chOff x="0" y="0"/>
+          <a:chExt cx="0" cy="0"/>
+        </a:xfrm>
+      </p:grpSpPr>
+      <p:pic>
+        <p:nvPicPr>
+          <p:cNvPr id="3" name="圖片 2">
+            <a:extLst>
+              <a:ext uri="{FF2B5EF4-FFF2-40B4-BE49-F238E27FC236}">
+                <a16:creationId xmlns:a16="http://schemas.microsoft.com/office/drawing/2014/main" id="{D117D8B6-82BB-4E14-8CED-41BE4A9A540F}"/>
+              </a:ext>
+            </a:extLst>
+          </p:cNvPr>
+          <p:cNvPicPr>
+            <a:picLocks noChangeAspect="1"/>
+          </p:cNvPicPr>
+          <p:nvPr/>
+        </p:nvPicPr>
+        <p:blipFill>
+          <a:blip r:embed="rId3">
+            <a:extLst>
+              <a:ext uri="{28A0092B-C50C-407E-A947-70E740481C1C}">
+                <a14:useLocalDpi xmlns:a14="http://schemas.microsoft.com/office/drawing/2010/main" val="0"/>
+              </a:ext>
+            </a:extLst>
+          </a:blip>
+          <a:stretch>
+            <a:fillRect/>
+          </a:stretch>
+        </p:blipFill>
+        <p:spPr>
+          <a:xfrm>
+            <a:off x="0" y="0"/>
+            <a:ext cx="6858000" cy="6858000"/>
+          </a:xfrm>
+          <a:prstGeom prst="rect">
+            <a:avLst/>
+          </a:prstGeom>
+        </p:spPr>
+      </p:pic>
+    </p:spTree>
+    <p:extLst>
+      <p:ext uri="{BB962C8B-B14F-4D97-AF65-F5344CB8AC3E}">
+        <p14:creationId xmlns:p14="http://schemas.microsoft.com/office/powerpoint/2010/main" val="4285043408"/>
+      </p:ext>
+    </p:extLst>
+  </p:cSld>
+  <p:clrMapOvr>
+    <a:masterClrMapping/>
+  </p:clrMapOvr>
+  <mc:AlternateContent xmlns:mc="http://schemas.openxmlformats.org/markup-compatibility/2006" xmlns:p159="http://schemas.microsoft.com/office/powerpoint/2015/09/main">
+    <mc:Choice Requires="p159">
+      <p:transition xmlns:p14="http://schemas.microsoft.com/office/powerpoint/2010/main" spd="slow" p14:dur="2000">
+        <p159:morph option="byObject"/>
+      </p:transition>
+    </mc:Choice>
+    <mc:Fallback xmlns="">
+      <p:transition spd="slow">
+        <p:fade/>
+      </p:transition>
+    </mc:Fallback>
+  </mc:AlternateContent>
 </p:sld>
 </file>
 
@@ -3677,4 +5520,299 @@
     </a:ext>
   </a:extLst>
 </a:theme>
+</file>
+
+<file path=ppt/theme/theme2.xml><?xml version="1.0" encoding="utf-8"?>
+<a:theme xmlns:a="http://schemas.openxmlformats.org/drawingml/2006/main" name="Office 佈景主題">
+  <a:themeElements>
+    <a:clrScheme name="Office">
+      <a:dk1>
+        <a:sysClr val="windowText" lastClr="000000"/>
+      </a:dk1>
+      <a:lt1>
+        <a:sysClr val="window" lastClr="FFFFFF"/>
+      </a:lt1>
+      <a:dk2>
+        <a:srgbClr val="44546A"/>
+      </a:dk2>
+      <a:lt2>
+        <a:srgbClr val="E7E6E6"/>
+      </a:lt2>
+      <a:accent1>
+        <a:srgbClr val="4472C4"/>
+      </a:accent1>
+      <a:accent2>
+        <a:srgbClr val="ED7D31"/>
+      </a:accent2>
+      <a:accent3>
+        <a:srgbClr val="A5A5A5"/>
+      </a:accent3>
+      <a:accent4>
+        <a:srgbClr val="FFC000"/>
+      </a:accent4>
+      <a:accent5>
+        <a:srgbClr val="5B9BD5"/>
+      </a:accent5>
+      <a:accent6>
+        <a:srgbClr val="70AD47"/>
+      </a:accent6>
+      <a:hlink>
+        <a:srgbClr val="0563C1"/>
+      </a:hlink>
+      <a:folHlink>
+        <a:srgbClr val="954F72"/>
+      </a:folHlink>
+    </a:clrScheme>
+    <a:fontScheme name="Office">
+      <a:majorFont>
+        <a:latin typeface="Calibri Light" panose="020F0302020204030204"/>
+        <a:ea typeface=""/>
+        <a:cs typeface=""/>
+        <a:font script="Jpan" typeface="游ゴシック Light"/>
+        <a:font script="Hang" typeface="맑은 고딕"/>
+        <a:font script="Hans" typeface="等线 Light"/>
+        <a:font script="Hant" typeface="新細明體"/>
+        <a:font script="Arab" typeface="Times New Roman"/>
+        <a:font script="Hebr" typeface="Times New Roman"/>
+        <a:font script="Thai" typeface="Angsana New"/>
+        <a:font script="Ethi" typeface="Nyala"/>
+        <a:font script="Beng" typeface="Vrinda"/>
+        <a:font script="Gujr" typeface="Shruti"/>
+        <a:font script="Khmr" typeface="MoolBoran"/>
+        <a:font script="Knda" typeface="Tunga"/>
+        <a:font script="Guru" typeface="Raavi"/>
+        <a:font script="Cans" typeface="Euphemia"/>
+        <a:font script="Cher" typeface="Plantagenet Cherokee"/>
+        <a:font script="Yiii" typeface="Microsoft Yi Baiti"/>
+        <a:font script="Tibt" typeface="Microsoft Himalaya"/>
+        <a:font script="Thaa" typeface="MV Boli"/>
+        <a:font script="Deva" typeface="Mangal"/>
+        <a:font script="Telu" typeface="Gautami"/>
+        <a:font script="Taml" typeface="Latha"/>
+        <a:font script="Syrc" typeface="Estrangelo Edessa"/>
+        <a:font script="Orya" typeface="Kalinga"/>
+        <a:font script="Mlym" typeface="Kartika"/>
+        <a:font script="Laoo" typeface="DokChampa"/>
+        <a:font script="Sinh" typeface="Iskoola Pota"/>
+        <a:font script="Mong" typeface="Mongolian Baiti"/>
+        <a:font script="Viet" typeface="Times New Roman"/>
+        <a:font script="Uigh" typeface="Microsoft Uighur"/>
+        <a:font script="Geor" typeface="Sylfaen"/>
+        <a:font script="Armn" typeface="Arial"/>
+        <a:font script="Bugi" typeface="Leelawadee UI"/>
+        <a:font script="Bopo" typeface="Microsoft JhengHei"/>
+        <a:font script="Java" typeface="Javanese Text"/>
+        <a:font script="Lisu" typeface="Segoe UI"/>
+        <a:font script="Mymr" typeface="Myanmar Text"/>
+        <a:font script="Nkoo" typeface="Ebrima"/>
+        <a:font script="Olck" typeface="Nirmala UI"/>
+        <a:font script="Osma" typeface="Ebrima"/>
+        <a:font script="Phag" typeface="Phagspa"/>
+        <a:font script="Syrn" typeface="Estrangelo Edessa"/>
+        <a:font script="Syrj" typeface="Estrangelo Edessa"/>
+        <a:font script="Syre" typeface="Estrangelo Edessa"/>
+        <a:font script="Sora" typeface="Nirmala UI"/>
+        <a:font script="Tale" typeface="Microsoft Tai Le"/>
+        <a:font script="Talu" typeface="Microsoft New Tai Lue"/>
+        <a:font script="Tfng" typeface="Ebrima"/>
+      </a:majorFont>
+      <a:minorFont>
+        <a:latin typeface="Calibri" panose="020F0502020204030204"/>
+        <a:ea typeface=""/>
+        <a:cs typeface=""/>
+        <a:font script="Jpan" typeface="游ゴシック"/>
+        <a:font script="Hang" typeface="맑은 고딕"/>
+        <a:font script="Hans" typeface="等线"/>
+        <a:font script="Hant" typeface="新細明體"/>
+        <a:font script="Arab" typeface="Arial"/>
+        <a:font script="Hebr" typeface="Arial"/>
+        <a:font script="Thai" typeface="Cordia New"/>
+        <a:font script="Ethi" typeface="Nyala"/>
+        <a:font script="Beng" typeface="Vrinda"/>
+        <a:font script="Gujr" typeface="Shruti"/>
+        <a:font script="Khmr" typeface="DaunPenh"/>
+        <a:font script="Knda" typeface="Tunga"/>
+        <a:font script="Guru" typeface="Raavi"/>
+        <a:font script="Cans" typeface="Euphemia"/>
+        <a:font script="Cher" typeface="Plantagenet Cherokee"/>
+        <a:font script="Yiii" typeface="Microsoft Yi Baiti"/>
+        <a:font script="Tibt" typeface="Microsoft Himalaya"/>
+        <a:font script="Thaa" typeface="MV Boli"/>
+        <a:font script="Deva" typeface="Mangal"/>
+        <a:font script="Telu" typeface="Gautami"/>
+        <a:font script="Taml" typeface="Latha"/>
+        <a:font script="Syrc" typeface="Estrangelo Edessa"/>
+        <a:font script="Orya" typeface="Kalinga"/>
+        <a:font script="Mlym" typeface="Kartika"/>
+        <a:font script="Laoo" typeface="DokChampa"/>
+        <a:font script="Sinh" typeface="Iskoola Pota"/>
+        <a:font script="Mong" typeface="Mongolian Baiti"/>
+        <a:font script="Viet" typeface="Arial"/>
+        <a:font script="Uigh" typeface="Microsoft Uighur"/>
+        <a:font script="Geor" typeface="Sylfaen"/>
+        <a:font script="Armn" typeface="Arial"/>
+        <a:font script="Bugi" typeface="Leelawadee UI"/>
+        <a:font script="Bopo" typeface="Microsoft JhengHei"/>
+        <a:font script="Java" typeface="Javanese Text"/>
+        <a:font script="Lisu" typeface="Segoe UI"/>
+        <a:font script="Mymr" typeface="Myanmar Text"/>
+        <a:font script="Nkoo" typeface="Ebrima"/>
+        <a:font script="Olck" typeface="Nirmala UI"/>
+        <a:font script="Osma" typeface="Ebrima"/>
+        <a:font script="Phag" typeface="Phagspa"/>
+        <a:font script="Syrn" typeface="Estrangelo Edessa"/>
+        <a:font script="Syrj" typeface="Estrangelo Edessa"/>
+        <a:font script="Syre" typeface="Estrangelo Edessa"/>
+        <a:font script="Sora" typeface="Nirmala UI"/>
+        <a:font script="Tale" typeface="Microsoft Tai Le"/>
+        <a:font script="Talu" typeface="Microsoft New Tai Lue"/>
+        <a:font script="Tfng" typeface="Ebrima"/>
+      </a:minorFont>
+    </a:fontScheme>
+    <a:fmtScheme name="Office">
+      <a:fillStyleLst>
+        <a:solidFill>
+          <a:schemeClr val="phClr"/>
+        </a:solidFill>
+        <a:gradFill rotWithShape="1">
+          <a:gsLst>
+            <a:gs pos="0">
+              <a:schemeClr val="phClr">
+                <a:lumMod val="110000"/>
+                <a:satMod val="105000"/>
+                <a:tint val="67000"/>
+              </a:schemeClr>
+            </a:gs>
+            <a:gs pos="50000">
+              <a:schemeClr val="phClr">
+                <a:lumMod val="105000"/>
+                <a:satMod val="103000"/>
+                <a:tint val="73000"/>
+              </a:schemeClr>
+            </a:gs>
+            <a:gs pos="100000">
+              <a:schemeClr val="phClr">
+                <a:lumMod val="105000"/>
+                <a:satMod val="109000"/>
+                <a:tint val="81000"/>
+              </a:schemeClr>
+            </a:gs>
+          </a:gsLst>
+          <a:lin ang="5400000" scaled="0"/>
+        </a:gradFill>
+        <a:gradFill rotWithShape="1">
+          <a:gsLst>
+            <a:gs pos="0">
+              <a:schemeClr val="phClr">
+                <a:satMod val="103000"/>
+                <a:lumMod val="102000"/>
+                <a:tint val="94000"/>
+              </a:schemeClr>
+            </a:gs>
+            <a:gs pos="50000">
+              <a:schemeClr val="phClr">
+                <a:satMod val="110000"/>
+                <a:lumMod val="100000"/>
+                <a:shade val="100000"/>
+              </a:schemeClr>
+            </a:gs>
+            <a:gs pos="100000">
+              <a:schemeClr val="phClr">
+                <a:lumMod val="99000"/>
+                <a:satMod val="120000"/>
+                <a:shade val="78000"/>
+              </a:schemeClr>
+            </a:gs>
+          </a:gsLst>
+          <a:lin ang="5400000" scaled="0"/>
+        </a:gradFill>
+      </a:fillStyleLst>
+      <a:lnStyleLst>
+        <a:ln w="6350" cap="flat" cmpd="sng" algn="ctr">
+          <a:solidFill>
+            <a:schemeClr val="phClr"/>
+          </a:solidFill>
+          <a:prstDash val="solid"/>
+          <a:miter lim="800000"/>
+        </a:ln>
+        <a:ln w="12700" cap="flat" cmpd="sng" algn="ctr">
+          <a:solidFill>
+            <a:schemeClr val="phClr"/>
+          </a:solidFill>
+          <a:prstDash val="solid"/>
+          <a:miter lim="800000"/>
+        </a:ln>
+        <a:ln w="19050" cap="flat" cmpd="sng" algn="ctr">
+          <a:solidFill>
+            <a:schemeClr val="phClr"/>
+          </a:solidFill>
+          <a:prstDash val="solid"/>
+          <a:miter lim="800000"/>
+        </a:ln>
+      </a:lnStyleLst>
+      <a:effectStyleLst>
+        <a:effectStyle>
+          <a:effectLst/>
+        </a:effectStyle>
+        <a:effectStyle>
+          <a:effectLst/>
+        </a:effectStyle>
+        <a:effectStyle>
+          <a:effectLst>
+            <a:outerShdw blurRad="57150" dist="19050" dir="5400000" algn="ctr" rotWithShape="0">
+              <a:srgbClr val="000000">
+                <a:alpha val="63000"/>
+              </a:srgbClr>
+            </a:outerShdw>
+          </a:effectLst>
+        </a:effectStyle>
+      </a:effectStyleLst>
+      <a:bgFillStyleLst>
+        <a:solidFill>
+          <a:schemeClr val="phClr"/>
+        </a:solidFill>
+        <a:solidFill>
+          <a:schemeClr val="phClr">
+            <a:tint val="95000"/>
+            <a:satMod val="170000"/>
+          </a:schemeClr>
+        </a:solidFill>
+        <a:gradFill rotWithShape="1">
+          <a:gsLst>
+            <a:gs pos="0">
+              <a:schemeClr val="phClr">
+                <a:tint val="93000"/>
+                <a:satMod val="150000"/>
+                <a:shade val="98000"/>
+                <a:lumMod val="102000"/>
+              </a:schemeClr>
+            </a:gs>
+            <a:gs pos="50000">
+              <a:schemeClr val="phClr">
+                <a:tint val="98000"/>
+                <a:satMod val="130000"/>
+                <a:shade val="90000"/>
+                <a:lumMod val="103000"/>
+              </a:schemeClr>
+            </a:gs>
+            <a:gs pos="100000">
+              <a:schemeClr val="phClr">
+                <a:shade val="63000"/>
+                <a:satMod val="120000"/>
+              </a:schemeClr>
+            </a:gs>
+          </a:gsLst>
+          <a:lin ang="5400000" scaled="0"/>
+        </a:gradFill>
+      </a:bgFillStyleLst>
+    </a:fmtScheme>
+  </a:themeElements>
+  <a:objectDefaults/>
+  <a:extraClrSchemeLst/>
+  <a:extLst>
+    <a:ext uri="{05A4C25C-085E-4340-85A3-A5531E510DB2}">
+      <thm15:themeFamily xmlns:thm15="http://schemas.microsoft.com/office/thememl/2012/main" name="Office Theme" id="{62F939B6-93AF-4DB8-9C6B-D6C7DFDC589F}" vid="{4A3C46E8-61CC-4603-A589-7422A47A8E4A}"/>
+    </a:ext>
+  </a:extLst>
+</a:theme>
 </file>